--- a/แผนภาพต่างๆ/Flowchart.pptx
+++ b/แผนภาพต่างๆ/Flowchart.pptx
@@ -6,6 +6,7 @@
   </p:sldMasterIdLst>
   <p:sldIdLst>
     <p:sldId id="256" r:id="rId2"/>
+    <p:sldId id="257" r:id="rId3"/>
   </p:sldIdLst>
   <p:sldSz cx="6858000" cy="12192000"/>
   <p:notesSz cx="6858000" cy="9144000"/>
@@ -104,6 +105,11 @@
       </a:defRPr>
     </a:lvl9pPr>
   </p:defaultTextStyle>
+  <p:extLst>
+    <p:ext uri="{EFAFB233-063F-42B5-8137-9DF3F51BA10A}">
+      <p15:sldGuideLst xmlns:p15="http://schemas.microsoft.com/office/powerpoint/2012/main"/>
+    </p:ext>
+  </p:extLst>
 </p:presentation>
 </file>
 
@@ -238,7 +244,7 @@
           <a:p>
             <a:fld id="{691FC3CC-C509-48E6-9AAE-D70A18B8C2AC}" type="datetimeFigureOut">
               <a:rPr lang="th-TH" smtClean="0"/>
-              <a:t>23/04/64</a:t>
+              <a:t>24/04/64</a:t>
             </a:fld>
             <a:endParaRPr lang="th-TH"/>
           </a:p>
@@ -408,7 +414,7 @@
           <a:p>
             <a:fld id="{691FC3CC-C509-48E6-9AAE-D70A18B8C2AC}" type="datetimeFigureOut">
               <a:rPr lang="th-TH" smtClean="0"/>
-              <a:t>23/04/64</a:t>
+              <a:t>24/04/64</a:t>
             </a:fld>
             <a:endParaRPr lang="th-TH"/>
           </a:p>
@@ -588,7 +594,7 @@
           <a:p>
             <a:fld id="{691FC3CC-C509-48E6-9AAE-D70A18B8C2AC}" type="datetimeFigureOut">
               <a:rPr lang="th-TH" smtClean="0"/>
-              <a:t>23/04/64</a:t>
+              <a:t>24/04/64</a:t>
             </a:fld>
             <a:endParaRPr lang="th-TH"/>
           </a:p>
@@ -758,7 +764,7 @@
           <a:p>
             <a:fld id="{691FC3CC-C509-48E6-9AAE-D70A18B8C2AC}" type="datetimeFigureOut">
               <a:rPr lang="th-TH" smtClean="0"/>
-              <a:t>23/04/64</a:t>
+              <a:t>24/04/64</a:t>
             </a:fld>
             <a:endParaRPr lang="th-TH"/>
           </a:p>
@@ -1002,7 +1008,7 @@
           <a:p>
             <a:fld id="{691FC3CC-C509-48E6-9AAE-D70A18B8C2AC}" type="datetimeFigureOut">
               <a:rPr lang="th-TH" smtClean="0"/>
-              <a:t>23/04/64</a:t>
+              <a:t>24/04/64</a:t>
             </a:fld>
             <a:endParaRPr lang="th-TH"/>
           </a:p>
@@ -1234,7 +1240,7 @@
           <a:p>
             <a:fld id="{691FC3CC-C509-48E6-9AAE-D70A18B8C2AC}" type="datetimeFigureOut">
               <a:rPr lang="th-TH" smtClean="0"/>
-              <a:t>23/04/64</a:t>
+              <a:t>24/04/64</a:t>
             </a:fld>
             <a:endParaRPr lang="th-TH"/>
           </a:p>
@@ -1601,7 +1607,7 @@
           <a:p>
             <a:fld id="{691FC3CC-C509-48E6-9AAE-D70A18B8C2AC}" type="datetimeFigureOut">
               <a:rPr lang="th-TH" smtClean="0"/>
-              <a:t>23/04/64</a:t>
+              <a:t>24/04/64</a:t>
             </a:fld>
             <a:endParaRPr lang="th-TH"/>
           </a:p>
@@ -1719,7 +1725,7 @@
           <a:p>
             <a:fld id="{691FC3CC-C509-48E6-9AAE-D70A18B8C2AC}" type="datetimeFigureOut">
               <a:rPr lang="th-TH" smtClean="0"/>
-              <a:t>23/04/64</a:t>
+              <a:t>24/04/64</a:t>
             </a:fld>
             <a:endParaRPr lang="th-TH"/>
           </a:p>
@@ -1814,7 +1820,7 @@
           <a:p>
             <a:fld id="{691FC3CC-C509-48E6-9AAE-D70A18B8C2AC}" type="datetimeFigureOut">
               <a:rPr lang="th-TH" smtClean="0"/>
-              <a:t>23/04/64</a:t>
+              <a:t>24/04/64</a:t>
             </a:fld>
             <a:endParaRPr lang="th-TH"/>
           </a:p>
@@ -2091,7 +2097,7 @@
           <a:p>
             <a:fld id="{691FC3CC-C509-48E6-9AAE-D70A18B8C2AC}" type="datetimeFigureOut">
               <a:rPr lang="th-TH" smtClean="0"/>
-              <a:t>23/04/64</a:t>
+              <a:t>24/04/64</a:t>
             </a:fld>
             <a:endParaRPr lang="th-TH"/>
           </a:p>
@@ -2348,7 +2354,7 @@
           <a:p>
             <a:fld id="{691FC3CC-C509-48E6-9AAE-D70A18B8C2AC}" type="datetimeFigureOut">
               <a:rPr lang="th-TH" smtClean="0"/>
-              <a:t>23/04/64</a:t>
+              <a:t>24/04/64</a:t>
             </a:fld>
             <a:endParaRPr lang="th-TH"/>
           </a:p>
@@ -2561,7 +2567,7 @@
           <a:p>
             <a:fld id="{691FC3CC-C509-48E6-9AAE-D70A18B8C2AC}" type="datetimeFigureOut">
               <a:rPr lang="th-TH" smtClean="0"/>
-              <a:t>23/04/64</a:t>
+              <a:t>24/04/64</a:t>
             </a:fld>
             <a:endParaRPr lang="th-TH"/>
           </a:p>
@@ -3720,6 +3726,862 @@
 </p:sld>
 </file>
 
+<file path=ppt/slides/slide2.xml><?xml version="1.0" encoding="utf-8"?>
+<p:sld xmlns:a="http://schemas.openxmlformats.org/drawingml/2006/main" xmlns:r="http://schemas.openxmlformats.org/officeDocument/2006/relationships" xmlns:p="http://schemas.openxmlformats.org/presentationml/2006/main">
+  <p:cSld>
+    <p:spTree>
+      <p:nvGrpSpPr>
+        <p:cNvPr id="1" name=""/>
+        <p:cNvGrpSpPr/>
+        <p:nvPr/>
+      </p:nvGrpSpPr>
+      <p:grpSpPr>
+        <a:xfrm>
+          <a:off x="0" y="0"/>
+          <a:ext cx="0" cy="0"/>
+          <a:chOff x="0" y="0"/>
+          <a:chExt cx="0" cy="0"/>
+        </a:xfrm>
+      </p:grpSpPr>
+      <p:sp>
+        <p:nvSpPr>
+          <p:cNvPr id="4" name="วงรี 3">
+            <a:extLst>
+              <a:ext uri="{FF2B5EF4-FFF2-40B4-BE49-F238E27FC236}">
+                <a16:creationId xmlns:a16="http://schemas.microsoft.com/office/drawing/2014/main" id="{471934CC-B2C0-46CA-B275-DC006E49AD00}"/>
+              </a:ext>
+            </a:extLst>
+          </p:cNvPr>
+          <p:cNvSpPr/>
+          <p:nvPr/>
+        </p:nvSpPr>
+        <p:spPr>
+          <a:xfrm>
+            <a:off x="2534878" y="210164"/>
+            <a:ext cx="1788243" cy="556993"/>
+          </a:xfrm>
+          <a:prstGeom prst="ellipse">
+            <a:avLst/>
+          </a:prstGeom>
+        </p:spPr>
+        <p:style>
+          <a:lnRef idx="2">
+            <a:schemeClr val="dk1"/>
+          </a:lnRef>
+          <a:fillRef idx="1">
+            <a:schemeClr val="lt1"/>
+          </a:fillRef>
+          <a:effectRef idx="0">
+            <a:schemeClr val="dk1"/>
+          </a:effectRef>
+          <a:fontRef idx="minor">
+            <a:schemeClr val="dk1"/>
+          </a:fontRef>
+        </p:style>
+        <p:txBody>
+          <a:bodyPr rtlCol="0" anchor="ctr"/>
+          <a:lstStyle/>
+          <a:p>
+            <a:pPr algn="ctr"/>
+            <a:r>
+              <a:rPr lang="th-TH" sz="2400" dirty="0">
+                <a:latin typeface="TH Sarabun New" panose="020B0500040200020003" pitchFamily="34" charset="-34"/>
+                <a:cs typeface="TH Sarabun New" panose="020B0500040200020003" pitchFamily="34" charset="-34"/>
+              </a:rPr>
+              <a:t>เริ่ม</a:t>
+            </a:r>
+            <a:endParaRPr lang="th-TH" sz="2800" dirty="0">
+              <a:latin typeface="TH Sarabun New" panose="020B0500040200020003" pitchFamily="34" charset="-34"/>
+              <a:cs typeface="TH Sarabun New" panose="020B0500040200020003" pitchFamily="34" charset="-34"/>
+            </a:endParaRPr>
+          </a:p>
+        </p:txBody>
+      </p:sp>
+      <p:sp>
+        <p:nvSpPr>
+          <p:cNvPr id="5" name="ข้าวหลามตัด 4">
+            <a:extLst>
+              <a:ext uri="{FF2B5EF4-FFF2-40B4-BE49-F238E27FC236}">
+                <a16:creationId xmlns:a16="http://schemas.microsoft.com/office/drawing/2014/main" id="{3CA6C802-67F8-4F1F-B53D-02A7D314D01A}"/>
+              </a:ext>
+            </a:extLst>
+          </p:cNvPr>
+          <p:cNvSpPr/>
+          <p:nvPr/>
+        </p:nvSpPr>
+        <p:spPr>
+          <a:xfrm>
+            <a:off x="2087817" y="1402853"/>
+            <a:ext cx="2682364" cy="1165292"/>
+          </a:xfrm>
+          <a:prstGeom prst="diamond">
+            <a:avLst/>
+          </a:prstGeom>
+        </p:spPr>
+        <p:style>
+          <a:lnRef idx="2">
+            <a:schemeClr val="dk1"/>
+          </a:lnRef>
+          <a:fillRef idx="1">
+            <a:schemeClr val="lt1"/>
+          </a:fillRef>
+          <a:effectRef idx="0">
+            <a:schemeClr val="dk1"/>
+          </a:effectRef>
+          <a:fontRef idx="minor">
+            <a:schemeClr val="dk1"/>
+          </a:fontRef>
+        </p:style>
+        <p:txBody>
+          <a:bodyPr rtlCol="0" anchor="ctr"/>
+          <a:lstStyle/>
+          <a:p>
+            <a:pPr algn="ctr"/>
+            <a:r>
+              <a:rPr lang="th-TH" sz="2400" dirty="0">
+                <a:latin typeface="TH Sarabun New" panose="020B0500040200020003" pitchFamily="34" charset="-34"/>
+                <a:cs typeface="TH Sarabun New" panose="020B0500040200020003" pitchFamily="34" charset="-34"/>
+              </a:rPr>
+              <a:t>เลือกรูปแบบการค้นหา</a:t>
+            </a:r>
+          </a:p>
+        </p:txBody>
+      </p:sp>
+      <p:cxnSp>
+        <p:nvCxnSpPr>
+          <p:cNvPr id="6" name="ลูกศรเชื่อมต่อแบบตรง 6">
+            <a:extLst>
+              <a:ext uri="{FF2B5EF4-FFF2-40B4-BE49-F238E27FC236}">
+                <a16:creationId xmlns:a16="http://schemas.microsoft.com/office/drawing/2014/main" id="{60842324-854F-4C09-AD1D-95886E7063CE}"/>
+              </a:ext>
+            </a:extLst>
+          </p:cNvPr>
+          <p:cNvCxnSpPr>
+            <a:cxnSpLocks/>
+            <a:stCxn id="4" idx="4"/>
+            <a:endCxn id="5" idx="0"/>
+          </p:cNvCxnSpPr>
+          <p:nvPr/>
+        </p:nvCxnSpPr>
+        <p:spPr>
+          <a:xfrm flipH="1">
+            <a:off x="3428999" y="767157"/>
+            <a:ext cx="1" cy="635696"/>
+          </a:xfrm>
+          <a:prstGeom prst="straightConnector1">
+            <a:avLst/>
+          </a:prstGeom>
+          <a:ln>
+            <a:tailEnd type="triangle"/>
+          </a:ln>
+        </p:spPr>
+        <p:style>
+          <a:lnRef idx="1">
+            <a:schemeClr val="dk1"/>
+          </a:lnRef>
+          <a:fillRef idx="0">
+            <a:schemeClr val="dk1"/>
+          </a:fillRef>
+          <a:effectRef idx="0">
+            <a:schemeClr val="dk1"/>
+          </a:effectRef>
+          <a:fontRef idx="minor">
+            <a:schemeClr val="tx1"/>
+          </a:fontRef>
+        </p:style>
+      </p:cxnSp>
+      <p:cxnSp>
+        <p:nvCxnSpPr>
+          <p:cNvPr id="8" name="ตัวเชื่อมต่อ: หักมุม 14">
+            <a:extLst>
+              <a:ext uri="{FF2B5EF4-FFF2-40B4-BE49-F238E27FC236}">
+                <a16:creationId xmlns:a16="http://schemas.microsoft.com/office/drawing/2014/main" id="{CC4A8DDE-A774-4B3E-A5F6-A8D950E1173A}"/>
+              </a:ext>
+            </a:extLst>
+          </p:cNvPr>
+          <p:cNvCxnSpPr>
+            <a:cxnSpLocks/>
+            <a:stCxn id="5" idx="1"/>
+          </p:cNvCxnSpPr>
+          <p:nvPr/>
+        </p:nvCxnSpPr>
+        <p:spPr>
+          <a:xfrm rot="10800000" flipV="1">
+            <a:off x="1474839" y="1985499"/>
+            <a:ext cx="612978" cy="1218342"/>
+          </a:xfrm>
+          <a:prstGeom prst="bentConnector2">
+            <a:avLst/>
+          </a:prstGeom>
+          <a:ln>
+            <a:tailEnd type="triangle"/>
+          </a:ln>
+        </p:spPr>
+        <p:style>
+          <a:lnRef idx="1">
+            <a:schemeClr val="dk1"/>
+          </a:lnRef>
+          <a:fillRef idx="0">
+            <a:schemeClr val="dk1"/>
+          </a:fillRef>
+          <a:effectRef idx="0">
+            <a:schemeClr val="dk1"/>
+          </a:effectRef>
+          <a:fontRef idx="minor">
+            <a:schemeClr val="tx1"/>
+          </a:fontRef>
+        </p:style>
+      </p:cxnSp>
+      <p:sp>
+        <p:nvSpPr>
+          <p:cNvPr id="9" name="สี่เหลี่ยมผืนผ้า 15">
+            <a:extLst>
+              <a:ext uri="{FF2B5EF4-FFF2-40B4-BE49-F238E27FC236}">
+                <a16:creationId xmlns:a16="http://schemas.microsoft.com/office/drawing/2014/main" id="{89933DD7-D081-4363-B7CF-C79733B3A8FA}"/>
+              </a:ext>
+            </a:extLst>
+          </p:cNvPr>
+          <p:cNvSpPr/>
+          <p:nvPr/>
+        </p:nvSpPr>
+        <p:spPr>
+          <a:xfrm>
+            <a:off x="4323120" y="3167935"/>
+            <a:ext cx="2079522" cy="940456"/>
+          </a:xfrm>
+          <a:prstGeom prst="rect">
+            <a:avLst/>
+          </a:prstGeom>
+        </p:spPr>
+        <p:style>
+          <a:lnRef idx="2">
+            <a:schemeClr val="dk1"/>
+          </a:lnRef>
+          <a:fillRef idx="1">
+            <a:schemeClr val="lt1"/>
+          </a:fillRef>
+          <a:effectRef idx="0">
+            <a:schemeClr val="dk1"/>
+          </a:effectRef>
+          <a:fontRef idx="minor">
+            <a:schemeClr val="dk1"/>
+          </a:fontRef>
+        </p:style>
+        <p:txBody>
+          <a:bodyPr rtlCol="0" anchor="ctr"/>
+          <a:lstStyle/>
+          <a:p>
+            <a:pPr algn="ctr"/>
+            <a:r>
+              <a:rPr lang="th-TH" sz="2400" dirty="0">
+                <a:latin typeface="TH Sarabun New" panose="020B0500040200020003" pitchFamily="34" charset="-34"/>
+                <a:cs typeface="TH Sarabun New" panose="020B0500040200020003" pitchFamily="34" charset="-34"/>
+              </a:rPr>
+              <a:t>ค้นหาแบบละเอียด</a:t>
+            </a:r>
+          </a:p>
+        </p:txBody>
+      </p:sp>
+      <p:cxnSp>
+        <p:nvCxnSpPr>
+          <p:cNvPr id="10" name="ตัวเชื่อมต่อ: หักมุม 17">
+            <a:extLst>
+              <a:ext uri="{FF2B5EF4-FFF2-40B4-BE49-F238E27FC236}">
+                <a16:creationId xmlns:a16="http://schemas.microsoft.com/office/drawing/2014/main" id="{AF8595F9-9511-457B-894A-79330F6BC872}"/>
+              </a:ext>
+            </a:extLst>
+          </p:cNvPr>
+          <p:cNvCxnSpPr>
+            <a:stCxn id="5" idx="3"/>
+            <a:endCxn id="9" idx="0"/>
+          </p:cNvCxnSpPr>
+          <p:nvPr/>
+        </p:nvCxnSpPr>
+        <p:spPr>
+          <a:xfrm>
+            <a:off x="4770181" y="1985499"/>
+            <a:ext cx="592700" cy="1182436"/>
+          </a:xfrm>
+          <a:prstGeom prst="bentConnector2">
+            <a:avLst/>
+          </a:prstGeom>
+          <a:ln>
+            <a:tailEnd type="triangle"/>
+          </a:ln>
+        </p:spPr>
+        <p:style>
+          <a:lnRef idx="1">
+            <a:schemeClr val="dk1"/>
+          </a:lnRef>
+          <a:fillRef idx="0">
+            <a:schemeClr val="dk1"/>
+          </a:fillRef>
+          <a:effectRef idx="0">
+            <a:schemeClr val="dk1"/>
+          </a:effectRef>
+          <a:fontRef idx="minor">
+            <a:schemeClr val="tx1"/>
+          </a:fontRef>
+        </p:style>
+      </p:cxnSp>
+      <p:sp>
+        <p:nvSpPr>
+          <p:cNvPr id="12" name="วงรี 19">
+            <a:extLst>
+              <a:ext uri="{FF2B5EF4-FFF2-40B4-BE49-F238E27FC236}">
+                <a16:creationId xmlns:a16="http://schemas.microsoft.com/office/drawing/2014/main" id="{74692F97-92CD-42D4-A368-05F738CCF743}"/>
+              </a:ext>
+            </a:extLst>
+          </p:cNvPr>
+          <p:cNvSpPr/>
+          <p:nvPr/>
+        </p:nvSpPr>
+        <p:spPr>
+          <a:xfrm>
+            <a:off x="3176511" y="5986282"/>
+            <a:ext cx="457200" cy="457200"/>
+          </a:xfrm>
+          <a:prstGeom prst="ellipse">
+            <a:avLst/>
+          </a:prstGeom>
+        </p:spPr>
+        <p:style>
+          <a:lnRef idx="2">
+            <a:schemeClr val="dk1"/>
+          </a:lnRef>
+          <a:fillRef idx="1">
+            <a:schemeClr val="lt1"/>
+          </a:fillRef>
+          <a:effectRef idx="0">
+            <a:schemeClr val="dk1"/>
+          </a:effectRef>
+          <a:fontRef idx="minor">
+            <a:schemeClr val="dk1"/>
+          </a:fontRef>
+        </p:style>
+        <p:txBody>
+          <a:bodyPr rtlCol="0" anchor="ctr"/>
+          <a:lstStyle/>
+          <a:p>
+            <a:pPr algn="ctr"/>
+            <a:endParaRPr lang="th-TH"/>
+          </a:p>
+        </p:txBody>
+      </p:sp>
+      <p:sp>
+        <p:nvSpPr>
+          <p:cNvPr id="16" name="สี่เหลี่ยมด้านขนาน 26">
+            <a:extLst>
+              <a:ext uri="{FF2B5EF4-FFF2-40B4-BE49-F238E27FC236}">
+                <a16:creationId xmlns:a16="http://schemas.microsoft.com/office/drawing/2014/main" id="{C9F07EF2-0E6C-458B-82B9-385186D315CB}"/>
+              </a:ext>
+            </a:extLst>
+          </p:cNvPr>
+          <p:cNvSpPr/>
+          <p:nvPr/>
+        </p:nvSpPr>
+        <p:spPr>
+          <a:xfrm>
+            <a:off x="1753443" y="7235303"/>
+            <a:ext cx="3351112" cy="791821"/>
+          </a:xfrm>
+          <a:prstGeom prst="parallelogram">
+            <a:avLst/>
+          </a:prstGeom>
+        </p:spPr>
+        <p:style>
+          <a:lnRef idx="2">
+            <a:schemeClr val="dk1"/>
+          </a:lnRef>
+          <a:fillRef idx="1">
+            <a:schemeClr val="lt1"/>
+          </a:fillRef>
+          <a:effectRef idx="0">
+            <a:schemeClr val="dk1"/>
+          </a:effectRef>
+          <a:fontRef idx="minor">
+            <a:schemeClr val="dk1"/>
+          </a:fontRef>
+        </p:style>
+        <p:txBody>
+          <a:bodyPr rtlCol="0" anchor="ctr"/>
+          <a:lstStyle/>
+          <a:p>
+            <a:pPr algn="ctr"/>
+            <a:r>
+              <a:rPr lang="th-TH" sz="2400" dirty="0">
+                <a:latin typeface="TH Sarabun New" panose="020B0500040200020003" pitchFamily="34" charset="-34"/>
+                <a:cs typeface="TH Sarabun New" panose="020B0500040200020003" pitchFamily="34" charset="-34"/>
+              </a:rPr>
+              <a:t>แสดงหน้าจอการค้นหารถยนต์หรือรถจักรยานยนต์</a:t>
+            </a:r>
+          </a:p>
+        </p:txBody>
+      </p:sp>
+      <p:cxnSp>
+        <p:nvCxnSpPr>
+          <p:cNvPr id="17" name="ลูกศรเชื่อมต่อแบบตรง 28">
+            <a:extLst>
+              <a:ext uri="{FF2B5EF4-FFF2-40B4-BE49-F238E27FC236}">
+                <a16:creationId xmlns:a16="http://schemas.microsoft.com/office/drawing/2014/main" id="{FD1C824B-0B67-41F4-9E7D-DC7AF8171A86}"/>
+              </a:ext>
+            </a:extLst>
+          </p:cNvPr>
+          <p:cNvCxnSpPr>
+            <a:cxnSpLocks/>
+            <a:endCxn id="16" idx="0"/>
+          </p:cNvCxnSpPr>
+          <p:nvPr/>
+        </p:nvCxnSpPr>
+        <p:spPr>
+          <a:xfrm>
+            <a:off x="3428999" y="6432298"/>
+            <a:ext cx="0" cy="803005"/>
+          </a:xfrm>
+          <a:prstGeom prst="straightConnector1">
+            <a:avLst/>
+          </a:prstGeom>
+          <a:ln>
+            <a:tailEnd type="triangle"/>
+          </a:ln>
+        </p:spPr>
+        <p:style>
+          <a:lnRef idx="1">
+            <a:schemeClr val="dk1"/>
+          </a:lnRef>
+          <a:fillRef idx="0">
+            <a:schemeClr val="dk1"/>
+          </a:fillRef>
+          <a:effectRef idx="0">
+            <a:schemeClr val="dk1"/>
+          </a:effectRef>
+          <a:fontRef idx="minor">
+            <a:schemeClr val="tx1"/>
+          </a:fontRef>
+        </p:style>
+      </p:cxnSp>
+      <p:sp>
+        <p:nvSpPr>
+          <p:cNvPr id="18" name="วงรี 30">
+            <a:extLst>
+              <a:ext uri="{FF2B5EF4-FFF2-40B4-BE49-F238E27FC236}">
+                <a16:creationId xmlns:a16="http://schemas.microsoft.com/office/drawing/2014/main" id="{E1EAAA49-E224-4FC6-9234-243310C81373}"/>
+              </a:ext>
+            </a:extLst>
+          </p:cNvPr>
+          <p:cNvSpPr/>
+          <p:nvPr/>
+        </p:nvSpPr>
+        <p:spPr>
+          <a:xfrm>
+            <a:off x="2534877" y="8830129"/>
+            <a:ext cx="1788243" cy="556993"/>
+          </a:xfrm>
+          <a:prstGeom prst="ellipse">
+            <a:avLst/>
+          </a:prstGeom>
+        </p:spPr>
+        <p:style>
+          <a:lnRef idx="2">
+            <a:schemeClr val="dk1"/>
+          </a:lnRef>
+          <a:fillRef idx="1">
+            <a:schemeClr val="lt1"/>
+          </a:fillRef>
+          <a:effectRef idx="0">
+            <a:schemeClr val="dk1"/>
+          </a:effectRef>
+          <a:fontRef idx="minor">
+            <a:schemeClr val="dk1"/>
+          </a:fontRef>
+        </p:style>
+        <p:txBody>
+          <a:bodyPr rtlCol="0" anchor="ctr"/>
+          <a:lstStyle/>
+          <a:p>
+            <a:pPr algn="ctr"/>
+            <a:r>
+              <a:rPr lang="th-TH" sz="2800" dirty="0">
+                <a:latin typeface="TH Sarabun New" panose="020B0500040200020003" pitchFamily="34" charset="-34"/>
+                <a:cs typeface="TH Sarabun New" panose="020B0500040200020003" pitchFamily="34" charset="-34"/>
+              </a:rPr>
+              <a:t>จบ</a:t>
+            </a:r>
+          </a:p>
+        </p:txBody>
+      </p:sp>
+      <p:cxnSp>
+        <p:nvCxnSpPr>
+          <p:cNvPr id="19" name="ลูกศรเชื่อมต่อแบบตรง 32">
+            <a:extLst>
+              <a:ext uri="{FF2B5EF4-FFF2-40B4-BE49-F238E27FC236}">
+                <a16:creationId xmlns:a16="http://schemas.microsoft.com/office/drawing/2014/main" id="{919702A9-44CF-403D-814D-E0494757056A}"/>
+              </a:ext>
+            </a:extLst>
+          </p:cNvPr>
+          <p:cNvCxnSpPr>
+            <a:stCxn id="16" idx="4"/>
+            <a:endCxn id="18" idx="0"/>
+          </p:cNvCxnSpPr>
+          <p:nvPr/>
+        </p:nvCxnSpPr>
+        <p:spPr>
+          <a:xfrm>
+            <a:off x="3428999" y="8027124"/>
+            <a:ext cx="0" cy="803005"/>
+          </a:xfrm>
+          <a:prstGeom prst="straightConnector1">
+            <a:avLst/>
+          </a:prstGeom>
+          <a:ln>
+            <a:tailEnd type="triangle"/>
+          </a:ln>
+        </p:spPr>
+        <p:style>
+          <a:lnRef idx="1">
+            <a:schemeClr val="dk1"/>
+          </a:lnRef>
+          <a:fillRef idx="0">
+            <a:schemeClr val="dk1"/>
+          </a:fillRef>
+          <a:effectRef idx="0">
+            <a:schemeClr val="dk1"/>
+          </a:effectRef>
+          <a:fontRef idx="minor">
+            <a:schemeClr val="tx1"/>
+          </a:fontRef>
+        </p:style>
+      </p:cxnSp>
+      <p:sp>
+        <p:nvSpPr>
+          <p:cNvPr id="20" name="สี่เหลี่ยมผืนผ้า 15">
+            <a:extLst>
+              <a:ext uri="{FF2B5EF4-FFF2-40B4-BE49-F238E27FC236}">
+                <a16:creationId xmlns:a16="http://schemas.microsoft.com/office/drawing/2014/main" id="{35D1F85A-D75D-4C65-9107-7474E037CC80}"/>
+              </a:ext>
+            </a:extLst>
+          </p:cNvPr>
+          <p:cNvSpPr/>
+          <p:nvPr/>
+        </p:nvSpPr>
+        <p:spPr>
+          <a:xfrm>
+            <a:off x="435077" y="3195126"/>
+            <a:ext cx="2079522" cy="940456"/>
+          </a:xfrm>
+          <a:prstGeom prst="rect">
+            <a:avLst/>
+          </a:prstGeom>
+        </p:spPr>
+        <p:style>
+          <a:lnRef idx="2">
+            <a:schemeClr val="dk1"/>
+          </a:lnRef>
+          <a:fillRef idx="1">
+            <a:schemeClr val="lt1"/>
+          </a:fillRef>
+          <a:effectRef idx="0">
+            <a:schemeClr val="dk1"/>
+          </a:effectRef>
+          <a:fontRef idx="minor">
+            <a:schemeClr val="dk1"/>
+          </a:fontRef>
+        </p:style>
+        <p:txBody>
+          <a:bodyPr rtlCol="0" anchor="ctr"/>
+          <a:lstStyle/>
+          <a:p>
+            <a:pPr algn="ctr"/>
+            <a:r>
+              <a:rPr lang="th-TH" sz="2400" dirty="0">
+                <a:latin typeface="TH Sarabun New" panose="020B0500040200020003" pitchFamily="34" charset="-34"/>
+                <a:cs typeface="TH Sarabun New" panose="020B0500040200020003" pitchFamily="34" charset="-34"/>
+              </a:rPr>
+              <a:t>ค้นหาด้วยการพิมพ์</a:t>
+            </a:r>
+          </a:p>
+        </p:txBody>
+      </p:sp>
+      <p:sp>
+        <p:nvSpPr>
+          <p:cNvPr id="25" name="สี่เหลี่ยมด้านขนาน 26">
+            <a:extLst>
+              <a:ext uri="{FF2B5EF4-FFF2-40B4-BE49-F238E27FC236}">
+                <a16:creationId xmlns:a16="http://schemas.microsoft.com/office/drawing/2014/main" id="{BFE91BD0-0CAF-4ABB-AD7B-5D867706614E}"/>
+              </a:ext>
+            </a:extLst>
+          </p:cNvPr>
+          <p:cNvSpPr/>
+          <p:nvPr/>
+        </p:nvSpPr>
+        <p:spPr>
+          <a:xfrm>
+            <a:off x="199655" y="4852795"/>
+            <a:ext cx="2741434" cy="791821"/>
+          </a:xfrm>
+          <a:prstGeom prst="parallelogram">
+            <a:avLst/>
+          </a:prstGeom>
+        </p:spPr>
+        <p:style>
+          <a:lnRef idx="2">
+            <a:schemeClr val="dk1"/>
+          </a:lnRef>
+          <a:fillRef idx="1">
+            <a:schemeClr val="lt1"/>
+          </a:fillRef>
+          <a:effectRef idx="0">
+            <a:schemeClr val="dk1"/>
+          </a:effectRef>
+          <a:fontRef idx="minor">
+            <a:schemeClr val="dk1"/>
+          </a:fontRef>
+        </p:style>
+        <p:txBody>
+          <a:bodyPr rtlCol="0" anchor="ctr"/>
+          <a:lstStyle/>
+          <a:p>
+            <a:pPr algn="ctr"/>
+            <a:r>
+              <a:rPr lang="th-TH" sz="2400" dirty="0">
+                <a:latin typeface="TH Sarabun New" panose="020B0500040200020003" pitchFamily="34" charset="-34"/>
+                <a:cs typeface="TH Sarabun New" panose="020B0500040200020003" pitchFamily="34" charset="-34"/>
+              </a:rPr>
+              <a:t>กรอกชื่อที่ต้องการค้นหา</a:t>
+            </a:r>
+          </a:p>
+        </p:txBody>
+      </p:sp>
+      <p:sp>
+        <p:nvSpPr>
+          <p:cNvPr id="26" name="สี่เหลี่ยมด้านขนาน 26">
+            <a:extLst>
+              <a:ext uri="{FF2B5EF4-FFF2-40B4-BE49-F238E27FC236}">
+                <a16:creationId xmlns:a16="http://schemas.microsoft.com/office/drawing/2014/main" id="{D6A8F68F-1846-4D72-BD7B-35C9FE898627}"/>
+              </a:ext>
+            </a:extLst>
+          </p:cNvPr>
+          <p:cNvSpPr/>
+          <p:nvPr/>
+        </p:nvSpPr>
+        <p:spPr>
+          <a:xfrm>
+            <a:off x="3848382" y="4758622"/>
+            <a:ext cx="2741434" cy="944595"/>
+          </a:xfrm>
+          <a:prstGeom prst="parallelogram">
+            <a:avLst/>
+          </a:prstGeom>
+        </p:spPr>
+        <p:style>
+          <a:lnRef idx="2">
+            <a:schemeClr val="dk1"/>
+          </a:lnRef>
+          <a:fillRef idx="1">
+            <a:schemeClr val="lt1"/>
+          </a:fillRef>
+          <a:effectRef idx="0">
+            <a:schemeClr val="dk1"/>
+          </a:effectRef>
+          <a:fontRef idx="minor">
+            <a:schemeClr val="dk1"/>
+          </a:fontRef>
+        </p:style>
+        <p:txBody>
+          <a:bodyPr rtlCol="0" anchor="ctr"/>
+          <a:lstStyle/>
+          <a:p>
+            <a:pPr algn="ctr"/>
+            <a:r>
+              <a:rPr lang="th-TH" sz="2400" dirty="0">
+                <a:latin typeface="TH Sarabun New" panose="020B0500040200020003" pitchFamily="34" charset="-34"/>
+                <a:cs typeface="TH Sarabun New" panose="020B0500040200020003" pitchFamily="34" charset="-34"/>
+              </a:rPr>
+              <a:t>กรอกรายละเอียดที่ต้องการค้นหา</a:t>
+            </a:r>
+          </a:p>
+        </p:txBody>
+      </p:sp>
+      <p:cxnSp>
+        <p:nvCxnSpPr>
+          <p:cNvPr id="28" name="Connector: Elbow 27">
+            <a:extLst>
+              <a:ext uri="{FF2B5EF4-FFF2-40B4-BE49-F238E27FC236}">
+                <a16:creationId xmlns:a16="http://schemas.microsoft.com/office/drawing/2014/main" id="{9C8298DB-76C8-4CEA-BEDA-68D45B84E126}"/>
+              </a:ext>
+            </a:extLst>
+          </p:cNvPr>
+          <p:cNvCxnSpPr>
+            <a:stCxn id="25" idx="3"/>
+            <a:endCxn id="12" idx="2"/>
+          </p:cNvCxnSpPr>
+          <p:nvPr/>
+        </p:nvCxnSpPr>
+        <p:spPr>
+          <a:xfrm rot="16200000" flipH="1">
+            <a:off x="2038819" y="5077190"/>
+            <a:ext cx="570266" cy="1705117"/>
+          </a:xfrm>
+          <a:prstGeom prst="bentConnector2">
+            <a:avLst/>
+          </a:prstGeom>
+          <a:ln>
+            <a:tailEnd type="triangle"/>
+          </a:ln>
+        </p:spPr>
+        <p:style>
+          <a:lnRef idx="1">
+            <a:schemeClr val="dk1"/>
+          </a:lnRef>
+          <a:fillRef idx="0">
+            <a:schemeClr val="dk1"/>
+          </a:fillRef>
+          <a:effectRef idx="0">
+            <a:schemeClr val="dk1"/>
+          </a:effectRef>
+          <a:fontRef idx="minor">
+            <a:schemeClr val="tx1"/>
+          </a:fontRef>
+        </p:style>
+      </p:cxnSp>
+      <p:cxnSp>
+        <p:nvCxnSpPr>
+          <p:cNvPr id="30" name="Connector: Elbow 29">
+            <a:extLst>
+              <a:ext uri="{FF2B5EF4-FFF2-40B4-BE49-F238E27FC236}">
+                <a16:creationId xmlns:a16="http://schemas.microsoft.com/office/drawing/2014/main" id="{8B2E0AF4-A819-4898-8549-BC2846A4054F}"/>
+              </a:ext>
+            </a:extLst>
+          </p:cNvPr>
+          <p:cNvCxnSpPr>
+            <a:stCxn id="26" idx="4"/>
+            <a:endCxn id="12" idx="6"/>
+          </p:cNvCxnSpPr>
+          <p:nvPr/>
+        </p:nvCxnSpPr>
+        <p:spPr>
+          <a:xfrm rot="5400000">
+            <a:off x="4170573" y="5166355"/>
+            <a:ext cx="511665" cy="1585388"/>
+          </a:xfrm>
+          <a:prstGeom prst="bentConnector2">
+            <a:avLst/>
+          </a:prstGeom>
+          <a:ln>
+            <a:tailEnd type="triangle"/>
+          </a:ln>
+        </p:spPr>
+        <p:style>
+          <a:lnRef idx="1">
+            <a:schemeClr val="dk1"/>
+          </a:lnRef>
+          <a:fillRef idx="0">
+            <a:schemeClr val="dk1"/>
+          </a:fillRef>
+          <a:effectRef idx="0">
+            <a:schemeClr val="dk1"/>
+          </a:effectRef>
+          <a:fontRef idx="minor">
+            <a:schemeClr val="tx1"/>
+          </a:fontRef>
+        </p:style>
+      </p:cxnSp>
+      <p:cxnSp>
+        <p:nvCxnSpPr>
+          <p:cNvPr id="32" name="Straight Arrow Connector 31">
+            <a:extLst>
+              <a:ext uri="{FF2B5EF4-FFF2-40B4-BE49-F238E27FC236}">
+                <a16:creationId xmlns:a16="http://schemas.microsoft.com/office/drawing/2014/main" id="{6B964747-D09C-4C31-BB8B-6CCCCC04B61B}"/>
+              </a:ext>
+            </a:extLst>
+          </p:cNvPr>
+          <p:cNvCxnSpPr>
+            <a:stCxn id="20" idx="2"/>
+          </p:cNvCxnSpPr>
+          <p:nvPr/>
+        </p:nvCxnSpPr>
+        <p:spPr>
+          <a:xfrm flipH="1">
+            <a:off x="1471393" y="4135582"/>
+            <a:ext cx="3445" cy="717213"/>
+          </a:xfrm>
+          <a:prstGeom prst="straightConnector1">
+            <a:avLst/>
+          </a:prstGeom>
+          <a:ln>
+            <a:tailEnd type="triangle"/>
+          </a:ln>
+        </p:spPr>
+        <p:style>
+          <a:lnRef idx="1">
+            <a:schemeClr val="dk1"/>
+          </a:lnRef>
+          <a:fillRef idx="0">
+            <a:schemeClr val="dk1"/>
+          </a:fillRef>
+          <a:effectRef idx="0">
+            <a:schemeClr val="dk1"/>
+          </a:effectRef>
+          <a:fontRef idx="minor">
+            <a:schemeClr val="tx1"/>
+          </a:fontRef>
+        </p:style>
+      </p:cxnSp>
+      <p:cxnSp>
+        <p:nvCxnSpPr>
+          <p:cNvPr id="34" name="Straight Arrow Connector 33">
+            <a:extLst>
+              <a:ext uri="{FF2B5EF4-FFF2-40B4-BE49-F238E27FC236}">
+                <a16:creationId xmlns:a16="http://schemas.microsoft.com/office/drawing/2014/main" id="{41E2329A-E072-4C53-844F-6326C019E821}"/>
+              </a:ext>
+            </a:extLst>
+          </p:cNvPr>
+          <p:cNvCxnSpPr>
+            <a:cxnSpLocks/>
+            <a:stCxn id="9" idx="2"/>
+          </p:cNvCxnSpPr>
+          <p:nvPr/>
+        </p:nvCxnSpPr>
+        <p:spPr>
+          <a:xfrm>
+            <a:off x="5362881" y="4108391"/>
+            <a:ext cx="0" cy="650231"/>
+          </a:xfrm>
+          <a:prstGeom prst="straightConnector1">
+            <a:avLst/>
+          </a:prstGeom>
+          <a:ln>
+            <a:tailEnd type="triangle"/>
+          </a:ln>
+        </p:spPr>
+        <p:style>
+          <a:lnRef idx="1">
+            <a:schemeClr val="dk1"/>
+          </a:lnRef>
+          <a:fillRef idx="0">
+            <a:schemeClr val="dk1"/>
+          </a:fillRef>
+          <a:effectRef idx="0">
+            <a:schemeClr val="dk1"/>
+          </a:effectRef>
+          <a:fontRef idx="minor">
+            <a:schemeClr val="tx1"/>
+          </a:fontRef>
+        </p:style>
+      </p:cxnSp>
+    </p:spTree>
+    <p:extLst>
+      <p:ext uri="{BB962C8B-B14F-4D97-AF65-F5344CB8AC3E}">
+        <p14:creationId xmlns:p14="http://schemas.microsoft.com/office/powerpoint/2010/main" val="141114434"/>
+      </p:ext>
+    </p:extLst>
+  </p:cSld>
+  <p:clrMapOvr>
+    <a:masterClrMapping/>
+  </p:clrMapOvr>
+</p:sld>
+</file>
+
 <file path=ppt/theme/theme1.xml><?xml version="1.0" encoding="utf-8"?>
 <a:theme xmlns:a="http://schemas.openxmlformats.org/drawingml/2006/main" name="ธีมของ Office">
   <a:themeElements>

--- a/แผนภาพต่างๆ/Flowchart.pptx
+++ b/แผนภาพต่างๆ/Flowchart.pptx
@@ -7,6 +7,9 @@
   <p:sldIdLst>
     <p:sldId id="256" r:id="rId2"/>
     <p:sldId id="257" r:id="rId3"/>
+    <p:sldId id="258" r:id="rId4"/>
+    <p:sldId id="259" r:id="rId5"/>
+    <p:sldId id="260" r:id="rId6"/>
   </p:sldIdLst>
   <p:sldSz cx="6858000" cy="12192000"/>
   <p:notesSz cx="6858000" cy="9144000"/>
@@ -4582,6 +4585,1782 @@
 </p:sld>
 </file>
 
+<file path=ppt/slides/slide3.xml><?xml version="1.0" encoding="utf-8"?>
+<p:sld xmlns:a="http://schemas.openxmlformats.org/drawingml/2006/main" xmlns:r="http://schemas.openxmlformats.org/officeDocument/2006/relationships" xmlns:p="http://schemas.openxmlformats.org/presentationml/2006/main">
+  <p:cSld>
+    <p:spTree>
+      <p:nvGrpSpPr>
+        <p:cNvPr id="1" name=""/>
+        <p:cNvGrpSpPr/>
+        <p:nvPr/>
+      </p:nvGrpSpPr>
+      <p:grpSpPr>
+        <a:xfrm>
+          <a:off x="0" y="0"/>
+          <a:ext cx="0" cy="0"/>
+          <a:chOff x="0" y="0"/>
+          <a:chExt cx="0" cy="0"/>
+        </a:xfrm>
+      </p:grpSpPr>
+      <p:sp>
+        <p:nvSpPr>
+          <p:cNvPr id="4" name="วงรี 3">
+            <a:extLst>
+              <a:ext uri="{FF2B5EF4-FFF2-40B4-BE49-F238E27FC236}">
+                <a16:creationId xmlns:a16="http://schemas.microsoft.com/office/drawing/2014/main" id="{D42ED83C-B13E-42DB-9352-E5CAB3D641C2}"/>
+              </a:ext>
+            </a:extLst>
+          </p:cNvPr>
+          <p:cNvSpPr/>
+          <p:nvPr/>
+        </p:nvSpPr>
+        <p:spPr>
+          <a:xfrm>
+            <a:off x="2534878" y="210164"/>
+            <a:ext cx="1788243" cy="556993"/>
+          </a:xfrm>
+          <a:prstGeom prst="ellipse">
+            <a:avLst/>
+          </a:prstGeom>
+        </p:spPr>
+        <p:style>
+          <a:lnRef idx="2">
+            <a:schemeClr val="dk1"/>
+          </a:lnRef>
+          <a:fillRef idx="1">
+            <a:schemeClr val="lt1"/>
+          </a:fillRef>
+          <a:effectRef idx="0">
+            <a:schemeClr val="dk1"/>
+          </a:effectRef>
+          <a:fontRef idx="minor">
+            <a:schemeClr val="dk1"/>
+          </a:fontRef>
+        </p:style>
+        <p:txBody>
+          <a:bodyPr rtlCol="0" anchor="ctr"/>
+          <a:lstStyle/>
+          <a:p>
+            <a:pPr algn="ctr"/>
+            <a:r>
+              <a:rPr lang="th-TH" sz="2400" dirty="0">
+                <a:latin typeface="TH Sarabun New" panose="020B0500040200020003" pitchFamily="34" charset="-34"/>
+                <a:cs typeface="TH Sarabun New" panose="020B0500040200020003" pitchFamily="34" charset="-34"/>
+              </a:rPr>
+              <a:t>เริ่ม</a:t>
+            </a:r>
+            <a:endParaRPr lang="th-TH" sz="2800" dirty="0">
+              <a:latin typeface="TH Sarabun New" panose="020B0500040200020003" pitchFamily="34" charset="-34"/>
+              <a:cs typeface="TH Sarabun New" panose="020B0500040200020003" pitchFamily="34" charset="-34"/>
+            </a:endParaRPr>
+          </a:p>
+        </p:txBody>
+      </p:sp>
+      <p:sp>
+        <p:nvSpPr>
+          <p:cNvPr id="5" name="ข้าวหลามตัด 4">
+            <a:extLst>
+              <a:ext uri="{FF2B5EF4-FFF2-40B4-BE49-F238E27FC236}">
+                <a16:creationId xmlns:a16="http://schemas.microsoft.com/office/drawing/2014/main" id="{B67CD088-30F3-46CC-B0DB-293495CEC957}"/>
+              </a:ext>
+            </a:extLst>
+          </p:cNvPr>
+          <p:cNvSpPr/>
+          <p:nvPr/>
+        </p:nvSpPr>
+        <p:spPr>
+          <a:xfrm>
+            <a:off x="2087817" y="1402853"/>
+            <a:ext cx="2682364" cy="1165292"/>
+          </a:xfrm>
+          <a:prstGeom prst="diamond">
+            <a:avLst/>
+          </a:prstGeom>
+        </p:spPr>
+        <p:style>
+          <a:lnRef idx="2">
+            <a:schemeClr val="dk1"/>
+          </a:lnRef>
+          <a:fillRef idx="1">
+            <a:schemeClr val="lt1"/>
+          </a:fillRef>
+          <a:effectRef idx="0">
+            <a:schemeClr val="dk1"/>
+          </a:effectRef>
+          <a:fontRef idx="minor">
+            <a:schemeClr val="dk1"/>
+          </a:fontRef>
+        </p:style>
+        <p:txBody>
+          <a:bodyPr rtlCol="0" anchor="ctr"/>
+          <a:lstStyle/>
+          <a:p>
+            <a:pPr algn="ctr"/>
+            <a:r>
+              <a:rPr lang="th-TH" sz="2400" dirty="0">
+                <a:latin typeface="TH Sarabun New" panose="020B0500040200020003" pitchFamily="34" charset="-34"/>
+                <a:cs typeface="TH Sarabun New" panose="020B0500040200020003" pitchFamily="34" charset="-34"/>
+              </a:rPr>
+              <a:t>เลือกประเภทรถที่จะขาย</a:t>
+            </a:r>
+          </a:p>
+        </p:txBody>
+      </p:sp>
+      <p:cxnSp>
+        <p:nvCxnSpPr>
+          <p:cNvPr id="7" name="ลูกศรเชื่อมต่อแบบตรง 6">
+            <a:extLst>
+              <a:ext uri="{FF2B5EF4-FFF2-40B4-BE49-F238E27FC236}">
+                <a16:creationId xmlns:a16="http://schemas.microsoft.com/office/drawing/2014/main" id="{135D2E72-1209-4B22-AF2F-CC195FA1BC4C}"/>
+              </a:ext>
+            </a:extLst>
+          </p:cNvPr>
+          <p:cNvCxnSpPr>
+            <a:cxnSpLocks/>
+            <a:stCxn id="4" idx="4"/>
+            <a:endCxn id="5" idx="0"/>
+          </p:cNvCxnSpPr>
+          <p:nvPr/>
+        </p:nvCxnSpPr>
+        <p:spPr>
+          <a:xfrm flipH="1">
+            <a:off x="3428999" y="767157"/>
+            <a:ext cx="1" cy="635696"/>
+          </a:xfrm>
+          <a:prstGeom prst="straightConnector1">
+            <a:avLst/>
+          </a:prstGeom>
+          <a:ln>
+            <a:tailEnd type="triangle"/>
+          </a:ln>
+        </p:spPr>
+        <p:style>
+          <a:lnRef idx="1">
+            <a:schemeClr val="dk1"/>
+          </a:lnRef>
+          <a:fillRef idx="0">
+            <a:schemeClr val="dk1"/>
+          </a:fillRef>
+          <a:effectRef idx="0">
+            <a:schemeClr val="dk1"/>
+          </a:effectRef>
+          <a:fontRef idx="minor">
+            <a:schemeClr val="tx1"/>
+          </a:fontRef>
+        </p:style>
+      </p:cxnSp>
+      <p:cxnSp>
+        <p:nvCxnSpPr>
+          <p:cNvPr id="15" name="ตัวเชื่อมต่อ: หักมุม 14">
+            <a:extLst>
+              <a:ext uri="{FF2B5EF4-FFF2-40B4-BE49-F238E27FC236}">
+                <a16:creationId xmlns:a16="http://schemas.microsoft.com/office/drawing/2014/main" id="{000897D6-8B27-46BF-AFA4-47959284AA0E}"/>
+              </a:ext>
+            </a:extLst>
+          </p:cNvPr>
+          <p:cNvCxnSpPr>
+            <a:cxnSpLocks/>
+            <a:stCxn id="5" idx="1"/>
+          </p:cNvCxnSpPr>
+          <p:nvPr/>
+        </p:nvCxnSpPr>
+        <p:spPr>
+          <a:xfrm rot="10800000" flipV="1">
+            <a:off x="1474839" y="1985499"/>
+            <a:ext cx="612978" cy="1218342"/>
+          </a:xfrm>
+          <a:prstGeom prst="bentConnector2">
+            <a:avLst/>
+          </a:prstGeom>
+          <a:ln>
+            <a:tailEnd type="triangle"/>
+          </a:ln>
+        </p:spPr>
+        <p:style>
+          <a:lnRef idx="1">
+            <a:schemeClr val="dk1"/>
+          </a:lnRef>
+          <a:fillRef idx="0">
+            <a:schemeClr val="dk1"/>
+          </a:fillRef>
+          <a:effectRef idx="0">
+            <a:schemeClr val="dk1"/>
+          </a:effectRef>
+          <a:fontRef idx="minor">
+            <a:schemeClr val="tx1"/>
+          </a:fontRef>
+        </p:style>
+      </p:cxnSp>
+      <p:sp>
+        <p:nvSpPr>
+          <p:cNvPr id="16" name="สี่เหลี่ยมผืนผ้า 15">
+            <a:extLst>
+              <a:ext uri="{FF2B5EF4-FFF2-40B4-BE49-F238E27FC236}">
+                <a16:creationId xmlns:a16="http://schemas.microsoft.com/office/drawing/2014/main" id="{FF7B624E-1989-470D-B2EE-E996233160FE}"/>
+              </a:ext>
+            </a:extLst>
+          </p:cNvPr>
+          <p:cNvSpPr/>
+          <p:nvPr/>
+        </p:nvSpPr>
+        <p:spPr>
+          <a:xfrm>
+            <a:off x="4323121" y="3129523"/>
+            <a:ext cx="2079522" cy="940456"/>
+          </a:xfrm>
+          <a:prstGeom prst="rect">
+            <a:avLst/>
+          </a:prstGeom>
+        </p:spPr>
+        <p:style>
+          <a:lnRef idx="2">
+            <a:schemeClr val="dk1"/>
+          </a:lnRef>
+          <a:fillRef idx="1">
+            <a:schemeClr val="lt1"/>
+          </a:fillRef>
+          <a:effectRef idx="0">
+            <a:schemeClr val="dk1"/>
+          </a:effectRef>
+          <a:fontRef idx="minor">
+            <a:schemeClr val="dk1"/>
+          </a:fontRef>
+        </p:style>
+        <p:txBody>
+          <a:bodyPr rtlCol="0" anchor="ctr"/>
+          <a:lstStyle/>
+          <a:p>
+            <a:pPr algn="ctr"/>
+            <a:r>
+              <a:rPr lang="th-TH" sz="2400" dirty="0">
+                <a:latin typeface="TH Sarabun New" panose="020B0500040200020003" pitchFamily="34" charset="-34"/>
+                <a:cs typeface="TH Sarabun New" panose="020B0500040200020003" pitchFamily="34" charset="-34"/>
+              </a:rPr>
+              <a:t>กรอกรายละเอียดรถจักรยานยนต์</a:t>
+            </a:r>
+          </a:p>
+        </p:txBody>
+      </p:sp>
+      <p:cxnSp>
+        <p:nvCxnSpPr>
+          <p:cNvPr id="18" name="ตัวเชื่อมต่อ: หักมุม 17">
+            <a:extLst>
+              <a:ext uri="{FF2B5EF4-FFF2-40B4-BE49-F238E27FC236}">
+                <a16:creationId xmlns:a16="http://schemas.microsoft.com/office/drawing/2014/main" id="{10F63B86-0D42-4605-93BC-54EF7CE1B2C8}"/>
+              </a:ext>
+            </a:extLst>
+          </p:cNvPr>
+          <p:cNvCxnSpPr>
+            <a:stCxn id="5" idx="3"/>
+            <a:endCxn id="16" idx="0"/>
+          </p:cNvCxnSpPr>
+          <p:nvPr/>
+        </p:nvCxnSpPr>
+        <p:spPr>
+          <a:xfrm>
+            <a:off x="4770181" y="1985499"/>
+            <a:ext cx="592701" cy="1144024"/>
+          </a:xfrm>
+          <a:prstGeom prst="bentConnector2">
+            <a:avLst/>
+          </a:prstGeom>
+          <a:ln>
+            <a:tailEnd type="triangle"/>
+          </a:ln>
+        </p:spPr>
+        <p:style>
+          <a:lnRef idx="1">
+            <a:schemeClr val="dk1"/>
+          </a:lnRef>
+          <a:fillRef idx="0">
+            <a:schemeClr val="dk1"/>
+          </a:fillRef>
+          <a:effectRef idx="0">
+            <a:schemeClr val="dk1"/>
+          </a:effectRef>
+          <a:fontRef idx="minor">
+            <a:schemeClr val="tx1"/>
+          </a:fontRef>
+        </p:style>
+      </p:cxnSp>
+      <p:sp>
+        <p:nvSpPr>
+          <p:cNvPr id="20" name="วงรี 19">
+            <a:extLst>
+              <a:ext uri="{FF2B5EF4-FFF2-40B4-BE49-F238E27FC236}">
+                <a16:creationId xmlns:a16="http://schemas.microsoft.com/office/drawing/2014/main" id="{EF53853A-0D27-4A0B-8220-6FDA8BA5D698}"/>
+              </a:ext>
+            </a:extLst>
+          </p:cNvPr>
+          <p:cNvSpPr/>
+          <p:nvPr/>
+        </p:nvSpPr>
+        <p:spPr>
+          <a:xfrm>
+            <a:off x="3200399" y="4608871"/>
+            <a:ext cx="457200" cy="457200"/>
+          </a:xfrm>
+          <a:prstGeom prst="ellipse">
+            <a:avLst/>
+          </a:prstGeom>
+        </p:spPr>
+        <p:style>
+          <a:lnRef idx="2">
+            <a:schemeClr val="dk1"/>
+          </a:lnRef>
+          <a:fillRef idx="1">
+            <a:schemeClr val="lt1"/>
+          </a:fillRef>
+          <a:effectRef idx="0">
+            <a:schemeClr val="dk1"/>
+          </a:effectRef>
+          <a:fontRef idx="minor">
+            <a:schemeClr val="dk1"/>
+          </a:fontRef>
+        </p:style>
+        <p:txBody>
+          <a:bodyPr rtlCol="0" anchor="ctr"/>
+          <a:lstStyle/>
+          <a:p>
+            <a:pPr algn="ctr"/>
+            <a:endParaRPr lang="th-TH"/>
+          </a:p>
+        </p:txBody>
+      </p:sp>
+      <p:cxnSp>
+        <p:nvCxnSpPr>
+          <p:cNvPr id="22" name="ตัวเชื่อมต่อ: หักมุม 21">
+            <a:extLst>
+              <a:ext uri="{FF2B5EF4-FFF2-40B4-BE49-F238E27FC236}">
+                <a16:creationId xmlns:a16="http://schemas.microsoft.com/office/drawing/2014/main" id="{5FCD045B-3050-4B78-BE4D-CAC7FB388E0E}"/>
+              </a:ext>
+            </a:extLst>
+          </p:cNvPr>
+          <p:cNvCxnSpPr>
+            <a:cxnSpLocks/>
+            <a:endCxn id="20" idx="2"/>
+          </p:cNvCxnSpPr>
+          <p:nvPr/>
+        </p:nvCxnSpPr>
+        <p:spPr>
+          <a:xfrm rot="16200000" flipH="1">
+            <a:off x="1916715" y="3553786"/>
+            <a:ext cx="841809" cy="1725560"/>
+          </a:xfrm>
+          <a:prstGeom prst="bentConnector2">
+            <a:avLst/>
+          </a:prstGeom>
+          <a:ln>
+            <a:tailEnd type="triangle"/>
+          </a:ln>
+        </p:spPr>
+        <p:style>
+          <a:lnRef idx="1">
+            <a:schemeClr val="dk1"/>
+          </a:lnRef>
+          <a:fillRef idx="0">
+            <a:schemeClr val="dk1"/>
+          </a:fillRef>
+          <a:effectRef idx="0">
+            <a:schemeClr val="dk1"/>
+          </a:effectRef>
+          <a:fontRef idx="minor">
+            <a:schemeClr val="tx1"/>
+          </a:fontRef>
+        </p:style>
+      </p:cxnSp>
+      <p:cxnSp>
+        <p:nvCxnSpPr>
+          <p:cNvPr id="24" name="ตัวเชื่อมต่อ: หักมุม 23">
+            <a:extLst>
+              <a:ext uri="{FF2B5EF4-FFF2-40B4-BE49-F238E27FC236}">
+                <a16:creationId xmlns:a16="http://schemas.microsoft.com/office/drawing/2014/main" id="{0DA6A614-A16A-4C35-B758-D7D84DD82735}"/>
+              </a:ext>
+            </a:extLst>
+          </p:cNvPr>
+          <p:cNvCxnSpPr>
+            <a:stCxn id="16" idx="2"/>
+            <a:endCxn id="20" idx="6"/>
+          </p:cNvCxnSpPr>
+          <p:nvPr/>
+        </p:nvCxnSpPr>
+        <p:spPr>
+          <a:xfrm rot="5400000">
+            <a:off x="4126495" y="3601084"/>
+            <a:ext cx="767492" cy="1705283"/>
+          </a:xfrm>
+          <a:prstGeom prst="bentConnector2">
+            <a:avLst/>
+          </a:prstGeom>
+          <a:ln>
+            <a:tailEnd type="triangle"/>
+          </a:ln>
+        </p:spPr>
+        <p:style>
+          <a:lnRef idx="1">
+            <a:schemeClr val="dk1"/>
+          </a:lnRef>
+          <a:fillRef idx="0">
+            <a:schemeClr val="dk1"/>
+          </a:fillRef>
+          <a:effectRef idx="0">
+            <a:schemeClr val="dk1"/>
+          </a:effectRef>
+          <a:fontRef idx="minor">
+            <a:schemeClr val="tx1"/>
+          </a:fontRef>
+        </p:style>
+      </p:cxnSp>
+      <p:sp>
+        <p:nvSpPr>
+          <p:cNvPr id="27" name="สี่เหลี่ยมด้านขนาน 26">
+            <a:extLst>
+              <a:ext uri="{FF2B5EF4-FFF2-40B4-BE49-F238E27FC236}">
+                <a16:creationId xmlns:a16="http://schemas.microsoft.com/office/drawing/2014/main" id="{0815FCDC-97E0-4230-929F-3B695DD0251D}"/>
+              </a:ext>
+            </a:extLst>
+          </p:cNvPr>
+          <p:cNvSpPr/>
+          <p:nvPr/>
+        </p:nvSpPr>
+        <p:spPr>
+          <a:xfrm>
+            <a:off x="1715419" y="5869076"/>
+            <a:ext cx="3351112" cy="791821"/>
+          </a:xfrm>
+          <a:prstGeom prst="parallelogram">
+            <a:avLst/>
+          </a:prstGeom>
+        </p:spPr>
+        <p:style>
+          <a:lnRef idx="2">
+            <a:schemeClr val="dk1"/>
+          </a:lnRef>
+          <a:fillRef idx="1">
+            <a:schemeClr val="lt1"/>
+          </a:fillRef>
+          <a:effectRef idx="0">
+            <a:schemeClr val="dk1"/>
+          </a:effectRef>
+          <a:fontRef idx="minor">
+            <a:schemeClr val="dk1"/>
+          </a:fontRef>
+        </p:style>
+        <p:txBody>
+          <a:bodyPr rtlCol="0" anchor="ctr"/>
+          <a:lstStyle/>
+          <a:p>
+            <a:pPr algn="ctr"/>
+            <a:r>
+              <a:rPr lang="th-TH" sz="2400" dirty="0">
+                <a:latin typeface="TH Sarabun New" panose="020B0500040200020003" pitchFamily="34" charset="-34"/>
+                <a:cs typeface="TH Sarabun New" panose="020B0500040200020003" pitchFamily="34" charset="-34"/>
+              </a:rPr>
+              <a:t>แสดงหน้าจอรถที่มีข้อมูลการลงขาย</a:t>
+            </a:r>
+          </a:p>
+        </p:txBody>
+      </p:sp>
+      <p:cxnSp>
+        <p:nvCxnSpPr>
+          <p:cNvPr id="29" name="ลูกศรเชื่อมต่อแบบตรง 28">
+            <a:extLst>
+              <a:ext uri="{FF2B5EF4-FFF2-40B4-BE49-F238E27FC236}">
+                <a16:creationId xmlns:a16="http://schemas.microsoft.com/office/drawing/2014/main" id="{17643F95-CB40-4FA7-B02F-4C9748FF8D84}"/>
+              </a:ext>
+            </a:extLst>
+          </p:cNvPr>
+          <p:cNvCxnSpPr>
+            <a:cxnSpLocks/>
+            <a:endCxn id="27" idx="0"/>
+          </p:cNvCxnSpPr>
+          <p:nvPr/>
+        </p:nvCxnSpPr>
+        <p:spPr>
+          <a:xfrm>
+            <a:off x="3390975" y="5066071"/>
+            <a:ext cx="0" cy="803005"/>
+          </a:xfrm>
+          <a:prstGeom prst="straightConnector1">
+            <a:avLst/>
+          </a:prstGeom>
+          <a:ln>
+            <a:tailEnd type="triangle"/>
+          </a:ln>
+        </p:spPr>
+        <p:style>
+          <a:lnRef idx="1">
+            <a:schemeClr val="dk1"/>
+          </a:lnRef>
+          <a:fillRef idx="0">
+            <a:schemeClr val="dk1"/>
+          </a:fillRef>
+          <a:effectRef idx="0">
+            <a:schemeClr val="dk1"/>
+          </a:effectRef>
+          <a:fontRef idx="minor">
+            <a:schemeClr val="tx1"/>
+          </a:fontRef>
+        </p:style>
+      </p:cxnSp>
+      <p:sp>
+        <p:nvSpPr>
+          <p:cNvPr id="31" name="วงรี 30">
+            <a:extLst>
+              <a:ext uri="{FF2B5EF4-FFF2-40B4-BE49-F238E27FC236}">
+                <a16:creationId xmlns:a16="http://schemas.microsoft.com/office/drawing/2014/main" id="{BAD84185-8A00-4A2B-8B8F-490B1267CACB}"/>
+              </a:ext>
+            </a:extLst>
+          </p:cNvPr>
+          <p:cNvSpPr/>
+          <p:nvPr/>
+        </p:nvSpPr>
+        <p:spPr>
+          <a:xfrm>
+            <a:off x="2496853" y="7463902"/>
+            <a:ext cx="1788243" cy="556993"/>
+          </a:xfrm>
+          <a:prstGeom prst="ellipse">
+            <a:avLst/>
+          </a:prstGeom>
+        </p:spPr>
+        <p:style>
+          <a:lnRef idx="2">
+            <a:schemeClr val="dk1"/>
+          </a:lnRef>
+          <a:fillRef idx="1">
+            <a:schemeClr val="lt1"/>
+          </a:fillRef>
+          <a:effectRef idx="0">
+            <a:schemeClr val="dk1"/>
+          </a:effectRef>
+          <a:fontRef idx="minor">
+            <a:schemeClr val="dk1"/>
+          </a:fontRef>
+        </p:style>
+        <p:txBody>
+          <a:bodyPr rtlCol="0" anchor="ctr"/>
+          <a:lstStyle/>
+          <a:p>
+            <a:pPr algn="ctr"/>
+            <a:r>
+              <a:rPr lang="th-TH" sz="2800" dirty="0">
+                <a:latin typeface="TH Sarabun New" panose="020B0500040200020003" pitchFamily="34" charset="-34"/>
+                <a:cs typeface="TH Sarabun New" panose="020B0500040200020003" pitchFamily="34" charset="-34"/>
+              </a:rPr>
+              <a:t>จบ</a:t>
+            </a:r>
+          </a:p>
+        </p:txBody>
+      </p:sp>
+      <p:cxnSp>
+        <p:nvCxnSpPr>
+          <p:cNvPr id="33" name="ลูกศรเชื่อมต่อแบบตรง 32">
+            <a:extLst>
+              <a:ext uri="{FF2B5EF4-FFF2-40B4-BE49-F238E27FC236}">
+                <a16:creationId xmlns:a16="http://schemas.microsoft.com/office/drawing/2014/main" id="{CEB3783A-0AF2-4EF5-8DFC-315DF5759102}"/>
+              </a:ext>
+            </a:extLst>
+          </p:cNvPr>
+          <p:cNvCxnSpPr>
+            <a:stCxn id="27" idx="4"/>
+            <a:endCxn id="31" idx="0"/>
+          </p:cNvCxnSpPr>
+          <p:nvPr/>
+        </p:nvCxnSpPr>
+        <p:spPr>
+          <a:xfrm>
+            <a:off x="3390975" y="6660897"/>
+            <a:ext cx="0" cy="803005"/>
+          </a:xfrm>
+          <a:prstGeom prst="straightConnector1">
+            <a:avLst/>
+          </a:prstGeom>
+          <a:ln>
+            <a:tailEnd type="triangle"/>
+          </a:ln>
+        </p:spPr>
+        <p:style>
+          <a:lnRef idx="1">
+            <a:schemeClr val="dk1"/>
+          </a:lnRef>
+          <a:fillRef idx="0">
+            <a:schemeClr val="dk1"/>
+          </a:fillRef>
+          <a:effectRef idx="0">
+            <a:schemeClr val="dk1"/>
+          </a:effectRef>
+          <a:fontRef idx="minor">
+            <a:schemeClr val="tx1"/>
+          </a:fontRef>
+        </p:style>
+      </p:cxnSp>
+      <p:sp>
+        <p:nvSpPr>
+          <p:cNvPr id="2" name="TextBox 1">
+            <a:extLst>
+              <a:ext uri="{FF2B5EF4-FFF2-40B4-BE49-F238E27FC236}">
+                <a16:creationId xmlns:a16="http://schemas.microsoft.com/office/drawing/2014/main" id="{C1C0129E-2F62-48C9-B18B-925FF327C5C9}"/>
+              </a:ext>
+            </a:extLst>
+          </p:cNvPr>
+          <p:cNvSpPr txBox="1"/>
+          <p:nvPr/>
+        </p:nvSpPr>
+        <p:spPr>
+          <a:xfrm>
+            <a:off x="1497372" y="1635593"/>
+            <a:ext cx="635110" cy="369332"/>
+          </a:xfrm>
+          <a:prstGeom prst="rect">
+            <a:avLst/>
+          </a:prstGeom>
+          <a:noFill/>
+        </p:spPr>
+        <p:txBody>
+          <a:bodyPr wrap="none" rtlCol="0">
+            <a:spAutoFit/>
+          </a:bodyPr>
+          <a:lstStyle/>
+          <a:p>
+            <a:r>
+              <a:rPr lang="th-TH" dirty="0"/>
+              <a:t>รถยนต์</a:t>
+            </a:r>
+          </a:p>
+        </p:txBody>
+      </p:sp>
+      <p:sp>
+        <p:nvSpPr>
+          <p:cNvPr id="21" name="TextBox 20">
+            <a:extLst>
+              <a:ext uri="{FF2B5EF4-FFF2-40B4-BE49-F238E27FC236}">
+                <a16:creationId xmlns:a16="http://schemas.microsoft.com/office/drawing/2014/main" id="{61E6E446-E50F-4CEC-AC89-B7124E01D969}"/>
+              </a:ext>
+            </a:extLst>
+          </p:cNvPr>
+          <p:cNvSpPr txBox="1"/>
+          <p:nvPr/>
+        </p:nvSpPr>
+        <p:spPr>
+          <a:xfrm>
+            <a:off x="4748977" y="1672148"/>
+            <a:ext cx="635110" cy="369332"/>
+          </a:xfrm>
+          <a:prstGeom prst="rect">
+            <a:avLst/>
+          </a:prstGeom>
+          <a:noFill/>
+        </p:spPr>
+        <p:txBody>
+          <a:bodyPr wrap="none" rtlCol="0">
+            <a:spAutoFit/>
+          </a:bodyPr>
+          <a:lstStyle/>
+          <a:p>
+            <a:r>
+              <a:rPr lang="th-TH" dirty="0"/>
+              <a:t>รถยนต์</a:t>
+            </a:r>
+          </a:p>
+        </p:txBody>
+      </p:sp>
+      <p:sp>
+        <p:nvSpPr>
+          <p:cNvPr id="25" name="สี่เหลี่ยมผืนผ้า 15">
+            <a:extLst>
+              <a:ext uri="{FF2B5EF4-FFF2-40B4-BE49-F238E27FC236}">
+                <a16:creationId xmlns:a16="http://schemas.microsoft.com/office/drawing/2014/main" id="{CD57BDD4-E6F0-4BF6-BF3D-719AC58B74E3}"/>
+              </a:ext>
+            </a:extLst>
+          </p:cNvPr>
+          <p:cNvSpPr/>
+          <p:nvPr/>
+        </p:nvSpPr>
+        <p:spPr>
+          <a:xfrm>
+            <a:off x="538317" y="3203841"/>
+            <a:ext cx="2079522" cy="940456"/>
+          </a:xfrm>
+          <a:prstGeom prst="rect">
+            <a:avLst/>
+          </a:prstGeom>
+        </p:spPr>
+        <p:style>
+          <a:lnRef idx="2">
+            <a:schemeClr val="dk1"/>
+          </a:lnRef>
+          <a:fillRef idx="1">
+            <a:schemeClr val="lt1"/>
+          </a:fillRef>
+          <a:effectRef idx="0">
+            <a:schemeClr val="dk1"/>
+          </a:effectRef>
+          <a:fontRef idx="minor">
+            <a:schemeClr val="dk1"/>
+          </a:fontRef>
+        </p:style>
+        <p:txBody>
+          <a:bodyPr rtlCol="0" anchor="ctr"/>
+          <a:lstStyle/>
+          <a:p>
+            <a:pPr algn="ctr"/>
+            <a:r>
+              <a:rPr lang="th-TH" sz="2400" dirty="0">
+                <a:latin typeface="TH Sarabun New" panose="020B0500040200020003" pitchFamily="34" charset="-34"/>
+                <a:cs typeface="TH Sarabun New" panose="020B0500040200020003" pitchFamily="34" charset="-34"/>
+              </a:rPr>
+              <a:t>กรอกรายละเอียดรถยนต์</a:t>
+            </a:r>
+          </a:p>
+        </p:txBody>
+      </p:sp>
+    </p:spTree>
+    <p:extLst>
+      <p:ext uri="{BB962C8B-B14F-4D97-AF65-F5344CB8AC3E}">
+        <p14:creationId xmlns:p14="http://schemas.microsoft.com/office/powerpoint/2010/main" val="3340401262"/>
+      </p:ext>
+    </p:extLst>
+  </p:cSld>
+  <p:clrMapOvr>
+    <a:masterClrMapping/>
+  </p:clrMapOvr>
+</p:sld>
+</file>
+
+<file path=ppt/slides/slide4.xml><?xml version="1.0" encoding="utf-8"?>
+<p:sld xmlns:a="http://schemas.openxmlformats.org/drawingml/2006/main" xmlns:r="http://schemas.openxmlformats.org/officeDocument/2006/relationships" xmlns:p="http://schemas.openxmlformats.org/presentationml/2006/main">
+  <p:cSld>
+    <p:spTree>
+      <p:nvGrpSpPr>
+        <p:cNvPr id="1" name=""/>
+        <p:cNvGrpSpPr/>
+        <p:nvPr/>
+      </p:nvGrpSpPr>
+      <p:grpSpPr>
+        <a:xfrm>
+          <a:off x="0" y="0"/>
+          <a:ext cx="0" cy="0"/>
+          <a:chOff x="0" y="0"/>
+          <a:chExt cx="0" cy="0"/>
+        </a:xfrm>
+      </p:grpSpPr>
+      <p:sp>
+        <p:nvSpPr>
+          <p:cNvPr id="4" name="วงรี 3">
+            <a:extLst>
+              <a:ext uri="{FF2B5EF4-FFF2-40B4-BE49-F238E27FC236}">
+                <a16:creationId xmlns:a16="http://schemas.microsoft.com/office/drawing/2014/main" id="{D42ED83C-B13E-42DB-9352-E5CAB3D641C2}"/>
+              </a:ext>
+            </a:extLst>
+          </p:cNvPr>
+          <p:cNvSpPr/>
+          <p:nvPr/>
+        </p:nvSpPr>
+        <p:spPr>
+          <a:xfrm>
+            <a:off x="2534878" y="210164"/>
+            <a:ext cx="1788243" cy="556993"/>
+          </a:xfrm>
+          <a:prstGeom prst="ellipse">
+            <a:avLst/>
+          </a:prstGeom>
+        </p:spPr>
+        <p:style>
+          <a:lnRef idx="2">
+            <a:schemeClr val="dk1"/>
+          </a:lnRef>
+          <a:fillRef idx="1">
+            <a:schemeClr val="lt1"/>
+          </a:fillRef>
+          <a:effectRef idx="0">
+            <a:schemeClr val="dk1"/>
+          </a:effectRef>
+          <a:fontRef idx="minor">
+            <a:schemeClr val="dk1"/>
+          </a:fontRef>
+        </p:style>
+        <p:txBody>
+          <a:bodyPr rtlCol="0" anchor="ctr"/>
+          <a:lstStyle/>
+          <a:p>
+            <a:pPr algn="ctr"/>
+            <a:r>
+              <a:rPr lang="th-TH" sz="2400" dirty="0">
+                <a:latin typeface="TH Sarabun New" panose="020B0500040200020003" pitchFamily="34" charset="-34"/>
+                <a:cs typeface="TH Sarabun New" panose="020B0500040200020003" pitchFamily="34" charset="-34"/>
+              </a:rPr>
+              <a:t>เริ่ม</a:t>
+            </a:r>
+            <a:endParaRPr lang="th-TH" sz="2800" dirty="0">
+              <a:latin typeface="TH Sarabun New" panose="020B0500040200020003" pitchFamily="34" charset="-34"/>
+              <a:cs typeface="TH Sarabun New" panose="020B0500040200020003" pitchFamily="34" charset="-34"/>
+            </a:endParaRPr>
+          </a:p>
+        </p:txBody>
+      </p:sp>
+      <p:cxnSp>
+        <p:nvCxnSpPr>
+          <p:cNvPr id="7" name="ลูกศรเชื่อมต่อแบบตรง 6">
+            <a:extLst>
+              <a:ext uri="{FF2B5EF4-FFF2-40B4-BE49-F238E27FC236}">
+                <a16:creationId xmlns:a16="http://schemas.microsoft.com/office/drawing/2014/main" id="{135D2E72-1209-4B22-AF2F-CC195FA1BC4C}"/>
+              </a:ext>
+            </a:extLst>
+          </p:cNvPr>
+          <p:cNvCxnSpPr>
+            <a:cxnSpLocks/>
+            <a:stCxn id="4" idx="4"/>
+          </p:cNvCxnSpPr>
+          <p:nvPr/>
+        </p:nvCxnSpPr>
+        <p:spPr>
+          <a:xfrm flipH="1">
+            <a:off x="3428999" y="767157"/>
+            <a:ext cx="1" cy="635696"/>
+          </a:xfrm>
+          <a:prstGeom prst="straightConnector1">
+            <a:avLst/>
+          </a:prstGeom>
+          <a:ln>
+            <a:tailEnd type="triangle"/>
+          </a:ln>
+        </p:spPr>
+        <p:style>
+          <a:lnRef idx="1">
+            <a:schemeClr val="dk1"/>
+          </a:lnRef>
+          <a:fillRef idx="0">
+            <a:schemeClr val="dk1"/>
+          </a:fillRef>
+          <a:effectRef idx="0">
+            <a:schemeClr val="dk1"/>
+          </a:effectRef>
+          <a:fontRef idx="minor">
+            <a:schemeClr val="tx1"/>
+          </a:fontRef>
+        </p:style>
+      </p:cxnSp>
+      <p:sp>
+        <p:nvSpPr>
+          <p:cNvPr id="27" name="สี่เหลี่ยมด้านขนาน 26">
+            <a:extLst>
+              <a:ext uri="{FF2B5EF4-FFF2-40B4-BE49-F238E27FC236}">
+                <a16:creationId xmlns:a16="http://schemas.microsoft.com/office/drawing/2014/main" id="{0815FCDC-97E0-4230-929F-3B695DD0251D}"/>
+              </a:ext>
+            </a:extLst>
+          </p:cNvPr>
+          <p:cNvSpPr/>
+          <p:nvPr/>
+        </p:nvSpPr>
+        <p:spPr>
+          <a:xfrm>
+            <a:off x="1753443" y="3346594"/>
+            <a:ext cx="3351112" cy="791821"/>
+          </a:xfrm>
+          <a:prstGeom prst="parallelogram">
+            <a:avLst/>
+          </a:prstGeom>
+        </p:spPr>
+        <p:style>
+          <a:lnRef idx="2">
+            <a:schemeClr val="dk1"/>
+          </a:lnRef>
+          <a:fillRef idx="1">
+            <a:schemeClr val="lt1"/>
+          </a:fillRef>
+          <a:effectRef idx="0">
+            <a:schemeClr val="dk1"/>
+          </a:effectRef>
+          <a:fontRef idx="minor">
+            <a:schemeClr val="dk1"/>
+          </a:fontRef>
+        </p:style>
+        <p:txBody>
+          <a:bodyPr rtlCol="0" anchor="ctr"/>
+          <a:lstStyle/>
+          <a:p>
+            <a:pPr algn="ctr"/>
+            <a:r>
+              <a:rPr lang="th-TH" sz="2400" dirty="0">
+                <a:latin typeface="TH Sarabun New" panose="020B0500040200020003" pitchFamily="34" charset="-34"/>
+                <a:cs typeface="TH Sarabun New" panose="020B0500040200020003" pitchFamily="34" charset="-34"/>
+              </a:rPr>
+              <a:t>แสดงหน้าจอรถที่ลงทะเบียน</a:t>
+            </a:r>
+          </a:p>
+        </p:txBody>
+      </p:sp>
+      <p:cxnSp>
+        <p:nvCxnSpPr>
+          <p:cNvPr id="29" name="ลูกศรเชื่อมต่อแบบตรง 28">
+            <a:extLst>
+              <a:ext uri="{FF2B5EF4-FFF2-40B4-BE49-F238E27FC236}">
+                <a16:creationId xmlns:a16="http://schemas.microsoft.com/office/drawing/2014/main" id="{17643F95-CB40-4FA7-B02F-4C9748FF8D84}"/>
+              </a:ext>
+            </a:extLst>
+          </p:cNvPr>
+          <p:cNvCxnSpPr>
+            <a:cxnSpLocks/>
+            <a:endCxn id="27" idx="0"/>
+          </p:cNvCxnSpPr>
+          <p:nvPr/>
+        </p:nvCxnSpPr>
+        <p:spPr>
+          <a:xfrm>
+            <a:off x="3428999" y="2543589"/>
+            <a:ext cx="0" cy="803005"/>
+          </a:xfrm>
+          <a:prstGeom prst="straightConnector1">
+            <a:avLst/>
+          </a:prstGeom>
+          <a:ln>
+            <a:tailEnd type="triangle"/>
+          </a:ln>
+        </p:spPr>
+        <p:style>
+          <a:lnRef idx="1">
+            <a:schemeClr val="dk1"/>
+          </a:lnRef>
+          <a:fillRef idx="0">
+            <a:schemeClr val="dk1"/>
+          </a:fillRef>
+          <a:effectRef idx="0">
+            <a:schemeClr val="dk1"/>
+          </a:effectRef>
+          <a:fontRef idx="minor">
+            <a:schemeClr val="tx1"/>
+          </a:fontRef>
+        </p:style>
+      </p:cxnSp>
+      <p:sp>
+        <p:nvSpPr>
+          <p:cNvPr id="31" name="วงรี 30">
+            <a:extLst>
+              <a:ext uri="{FF2B5EF4-FFF2-40B4-BE49-F238E27FC236}">
+                <a16:creationId xmlns:a16="http://schemas.microsoft.com/office/drawing/2014/main" id="{BAD84185-8A00-4A2B-8B8F-490B1267CACB}"/>
+              </a:ext>
+            </a:extLst>
+          </p:cNvPr>
+          <p:cNvSpPr/>
+          <p:nvPr/>
+        </p:nvSpPr>
+        <p:spPr>
+          <a:xfrm>
+            <a:off x="2534877" y="4941420"/>
+            <a:ext cx="1788243" cy="556993"/>
+          </a:xfrm>
+          <a:prstGeom prst="ellipse">
+            <a:avLst/>
+          </a:prstGeom>
+        </p:spPr>
+        <p:style>
+          <a:lnRef idx="2">
+            <a:schemeClr val="dk1"/>
+          </a:lnRef>
+          <a:fillRef idx="1">
+            <a:schemeClr val="lt1"/>
+          </a:fillRef>
+          <a:effectRef idx="0">
+            <a:schemeClr val="dk1"/>
+          </a:effectRef>
+          <a:fontRef idx="minor">
+            <a:schemeClr val="dk1"/>
+          </a:fontRef>
+        </p:style>
+        <p:txBody>
+          <a:bodyPr rtlCol="0" anchor="ctr"/>
+          <a:lstStyle/>
+          <a:p>
+            <a:pPr algn="ctr"/>
+            <a:r>
+              <a:rPr lang="th-TH" sz="2800" dirty="0">
+                <a:latin typeface="TH Sarabun New" panose="020B0500040200020003" pitchFamily="34" charset="-34"/>
+                <a:cs typeface="TH Sarabun New" panose="020B0500040200020003" pitchFamily="34" charset="-34"/>
+              </a:rPr>
+              <a:t>จบ</a:t>
+            </a:r>
+          </a:p>
+        </p:txBody>
+      </p:sp>
+      <p:cxnSp>
+        <p:nvCxnSpPr>
+          <p:cNvPr id="33" name="ลูกศรเชื่อมต่อแบบตรง 32">
+            <a:extLst>
+              <a:ext uri="{FF2B5EF4-FFF2-40B4-BE49-F238E27FC236}">
+                <a16:creationId xmlns:a16="http://schemas.microsoft.com/office/drawing/2014/main" id="{CEB3783A-0AF2-4EF5-8DFC-315DF5759102}"/>
+              </a:ext>
+            </a:extLst>
+          </p:cNvPr>
+          <p:cNvCxnSpPr>
+            <a:stCxn id="27" idx="4"/>
+            <a:endCxn id="31" idx="0"/>
+          </p:cNvCxnSpPr>
+          <p:nvPr/>
+        </p:nvCxnSpPr>
+        <p:spPr>
+          <a:xfrm>
+            <a:off x="3428999" y="4138415"/>
+            <a:ext cx="0" cy="803005"/>
+          </a:xfrm>
+          <a:prstGeom prst="straightConnector1">
+            <a:avLst/>
+          </a:prstGeom>
+          <a:ln>
+            <a:tailEnd type="triangle"/>
+          </a:ln>
+        </p:spPr>
+        <p:style>
+          <a:lnRef idx="1">
+            <a:schemeClr val="dk1"/>
+          </a:lnRef>
+          <a:fillRef idx="0">
+            <a:schemeClr val="dk1"/>
+          </a:fillRef>
+          <a:effectRef idx="0">
+            <a:schemeClr val="dk1"/>
+          </a:effectRef>
+          <a:fontRef idx="minor">
+            <a:schemeClr val="tx1"/>
+          </a:fontRef>
+        </p:style>
+      </p:cxnSp>
+      <p:sp>
+        <p:nvSpPr>
+          <p:cNvPr id="25" name="สี่เหลี่ยมผืนผ้า 15">
+            <a:extLst>
+              <a:ext uri="{FF2B5EF4-FFF2-40B4-BE49-F238E27FC236}">
+                <a16:creationId xmlns:a16="http://schemas.microsoft.com/office/drawing/2014/main" id="{CD57BDD4-E6F0-4BF6-BF3D-719AC58B74E3}"/>
+              </a:ext>
+            </a:extLst>
+          </p:cNvPr>
+          <p:cNvSpPr/>
+          <p:nvPr/>
+        </p:nvSpPr>
+        <p:spPr>
+          <a:xfrm>
+            <a:off x="2389237" y="1390127"/>
+            <a:ext cx="2182749" cy="1116589"/>
+          </a:xfrm>
+          <a:prstGeom prst="rect">
+            <a:avLst/>
+          </a:prstGeom>
+        </p:spPr>
+        <p:style>
+          <a:lnRef idx="2">
+            <a:schemeClr val="dk1"/>
+          </a:lnRef>
+          <a:fillRef idx="1">
+            <a:schemeClr val="lt1"/>
+          </a:fillRef>
+          <a:effectRef idx="0">
+            <a:schemeClr val="dk1"/>
+          </a:effectRef>
+          <a:fontRef idx="minor">
+            <a:schemeClr val="dk1"/>
+          </a:fontRef>
+        </p:style>
+        <p:txBody>
+          <a:bodyPr rtlCol="0" anchor="ctr"/>
+          <a:lstStyle/>
+          <a:p>
+            <a:pPr algn="ctr"/>
+            <a:r>
+              <a:rPr lang="th-TH" sz="2400" dirty="0">
+                <a:latin typeface="TH Sarabun New" panose="020B0500040200020003" pitchFamily="34" charset="-34"/>
+                <a:cs typeface="TH Sarabun New" panose="020B0500040200020003" pitchFamily="34" charset="-34"/>
+              </a:rPr>
+              <a:t>กรอกรายละเอียดรถยนต์หรือรถจักรยานยนต์</a:t>
+            </a:r>
+          </a:p>
+        </p:txBody>
+      </p:sp>
+    </p:spTree>
+    <p:extLst>
+      <p:ext uri="{BB962C8B-B14F-4D97-AF65-F5344CB8AC3E}">
+        <p14:creationId xmlns:p14="http://schemas.microsoft.com/office/powerpoint/2010/main" val="1255346468"/>
+      </p:ext>
+    </p:extLst>
+  </p:cSld>
+  <p:clrMapOvr>
+    <a:masterClrMapping/>
+  </p:clrMapOvr>
+</p:sld>
+</file>
+
+<file path=ppt/slides/slide5.xml><?xml version="1.0" encoding="utf-8"?>
+<p:sld xmlns:a="http://schemas.openxmlformats.org/drawingml/2006/main" xmlns:r="http://schemas.openxmlformats.org/officeDocument/2006/relationships" xmlns:p="http://schemas.openxmlformats.org/presentationml/2006/main">
+  <p:cSld>
+    <p:spTree>
+      <p:nvGrpSpPr>
+        <p:cNvPr id="1" name=""/>
+        <p:cNvGrpSpPr/>
+        <p:nvPr/>
+      </p:nvGrpSpPr>
+      <p:grpSpPr>
+        <a:xfrm>
+          <a:off x="0" y="0"/>
+          <a:ext cx="0" cy="0"/>
+          <a:chOff x="0" y="0"/>
+          <a:chExt cx="0" cy="0"/>
+        </a:xfrm>
+      </p:grpSpPr>
+      <p:sp>
+        <p:nvSpPr>
+          <p:cNvPr id="4" name="วงรี 3">
+            <a:extLst>
+              <a:ext uri="{FF2B5EF4-FFF2-40B4-BE49-F238E27FC236}">
+                <a16:creationId xmlns:a16="http://schemas.microsoft.com/office/drawing/2014/main" id="{D42ED83C-B13E-42DB-9352-E5CAB3D641C2}"/>
+              </a:ext>
+            </a:extLst>
+          </p:cNvPr>
+          <p:cNvSpPr/>
+          <p:nvPr/>
+        </p:nvSpPr>
+        <p:spPr>
+          <a:xfrm>
+            <a:off x="2534878" y="210164"/>
+            <a:ext cx="1788243" cy="556993"/>
+          </a:xfrm>
+          <a:prstGeom prst="ellipse">
+            <a:avLst/>
+          </a:prstGeom>
+        </p:spPr>
+        <p:style>
+          <a:lnRef idx="2">
+            <a:schemeClr val="dk1"/>
+          </a:lnRef>
+          <a:fillRef idx="1">
+            <a:schemeClr val="lt1"/>
+          </a:fillRef>
+          <a:effectRef idx="0">
+            <a:schemeClr val="dk1"/>
+          </a:effectRef>
+          <a:fontRef idx="minor">
+            <a:schemeClr val="dk1"/>
+          </a:fontRef>
+        </p:style>
+        <p:txBody>
+          <a:bodyPr rtlCol="0" anchor="ctr"/>
+          <a:lstStyle/>
+          <a:p>
+            <a:pPr algn="ctr"/>
+            <a:r>
+              <a:rPr lang="th-TH" sz="2400" dirty="0">
+                <a:latin typeface="TH Sarabun New" panose="020B0500040200020003" pitchFamily="34" charset="-34"/>
+                <a:cs typeface="TH Sarabun New" panose="020B0500040200020003" pitchFamily="34" charset="-34"/>
+              </a:rPr>
+              <a:t>เริ่ม</a:t>
+            </a:r>
+            <a:endParaRPr lang="th-TH" sz="2800" dirty="0">
+              <a:latin typeface="TH Sarabun New" panose="020B0500040200020003" pitchFamily="34" charset="-34"/>
+              <a:cs typeface="TH Sarabun New" panose="020B0500040200020003" pitchFamily="34" charset="-34"/>
+            </a:endParaRPr>
+          </a:p>
+        </p:txBody>
+      </p:sp>
+      <p:sp>
+        <p:nvSpPr>
+          <p:cNvPr id="5" name="ข้าวหลามตัด 4">
+            <a:extLst>
+              <a:ext uri="{FF2B5EF4-FFF2-40B4-BE49-F238E27FC236}">
+                <a16:creationId xmlns:a16="http://schemas.microsoft.com/office/drawing/2014/main" id="{B67CD088-30F3-46CC-B0DB-293495CEC957}"/>
+              </a:ext>
+            </a:extLst>
+          </p:cNvPr>
+          <p:cNvSpPr/>
+          <p:nvPr/>
+        </p:nvSpPr>
+        <p:spPr>
+          <a:xfrm>
+            <a:off x="2087817" y="1402853"/>
+            <a:ext cx="2682364" cy="1165292"/>
+          </a:xfrm>
+          <a:prstGeom prst="diamond">
+            <a:avLst/>
+          </a:prstGeom>
+        </p:spPr>
+        <p:style>
+          <a:lnRef idx="2">
+            <a:schemeClr val="dk1"/>
+          </a:lnRef>
+          <a:fillRef idx="1">
+            <a:schemeClr val="lt1"/>
+          </a:fillRef>
+          <a:effectRef idx="0">
+            <a:schemeClr val="dk1"/>
+          </a:effectRef>
+          <a:fontRef idx="minor">
+            <a:schemeClr val="dk1"/>
+          </a:fontRef>
+        </p:style>
+        <p:txBody>
+          <a:bodyPr rtlCol="0" anchor="ctr"/>
+          <a:lstStyle/>
+          <a:p>
+            <a:pPr algn="ctr"/>
+            <a:r>
+              <a:rPr lang="th-TH" sz="2400" dirty="0">
+                <a:latin typeface="TH Sarabun New" panose="020B0500040200020003" pitchFamily="34" charset="-34"/>
+                <a:cs typeface="TH Sarabun New" panose="020B0500040200020003" pitchFamily="34" charset="-34"/>
+              </a:rPr>
+              <a:t>เลือกสิ่งที่อยากได้</a:t>
+            </a:r>
+          </a:p>
+        </p:txBody>
+      </p:sp>
+      <p:cxnSp>
+        <p:nvCxnSpPr>
+          <p:cNvPr id="7" name="ลูกศรเชื่อมต่อแบบตรง 6">
+            <a:extLst>
+              <a:ext uri="{FF2B5EF4-FFF2-40B4-BE49-F238E27FC236}">
+                <a16:creationId xmlns:a16="http://schemas.microsoft.com/office/drawing/2014/main" id="{135D2E72-1209-4B22-AF2F-CC195FA1BC4C}"/>
+              </a:ext>
+            </a:extLst>
+          </p:cNvPr>
+          <p:cNvCxnSpPr>
+            <a:cxnSpLocks/>
+            <a:stCxn id="4" idx="4"/>
+            <a:endCxn id="5" idx="0"/>
+          </p:cNvCxnSpPr>
+          <p:nvPr/>
+        </p:nvCxnSpPr>
+        <p:spPr>
+          <a:xfrm flipH="1">
+            <a:off x="3428999" y="767157"/>
+            <a:ext cx="1" cy="635696"/>
+          </a:xfrm>
+          <a:prstGeom prst="straightConnector1">
+            <a:avLst/>
+          </a:prstGeom>
+          <a:ln>
+            <a:tailEnd type="triangle"/>
+          </a:ln>
+        </p:spPr>
+        <p:style>
+          <a:lnRef idx="1">
+            <a:schemeClr val="dk1"/>
+          </a:lnRef>
+          <a:fillRef idx="0">
+            <a:schemeClr val="dk1"/>
+          </a:fillRef>
+          <a:effectRef idx="0">
+            <a:schemeClr val="dk1"/>
+          </a:effectRef>
+          <a:fontRef idx="minor">
+            <a:schemeClr val="tx1"/>
+          </a:fontRef>
+        </p:style>
+      </p:cxnSp>
+      <p:cxnSp>
+        <p:nvCxnSpPr>
+          <p:cNvPr id="15" name="ตัวเชื่อมต่อ: หักมุม 14">
+            <a:extLst>
+              <a:ext uri="{FF2B5EF4-FFF2-40B4-BE49-F238E27FC236}">
+                <a16:creationId xmlns:a16="http://schemas.microsoft.com/office/drawing/2014/main" id="{000897D6-8B27-46BF-AFA4-47959284AA0E}"/>
+              </a:ext>
+            </a:extLst>
+          </p:cNvPr>
+          <p:cNvCxnSpPr>
+            <a:cxnSpLocks/>
+            <a:stCxn id="5" idx="1"/>
+          </p:cNvCxnSpPr>
+          <p:nvPr/>
+        </p:nvCxnSpPr>
+        <p:spPr>
+          <a:xfrm rot="10800000" flipV="1">
+            <a:off x="1474839" y="1985499"/>
+            <a:ext cx="612978" cy="1218342"/>
+          </a:xfrm>
+          <a:prstGeom prst="bentConnector2">
+            <a:avLst/>
+          </a:prstGeom>
+          <a:ln>
+            <a:tailEnd type="triangle"/>
+          </a:ln>
+        </p:spPr>
+        <p:style>
+          <a:lnRef idx="1">
+            <a:schemeClr val="dk1"/>
+          </a:lnRef>
+          <a:fillRef idx="0">
+            <a:schemeClr val="dk1"/>
+          </a:fillRef>
+          <a:effectRef idx="0">
+            <a:schemeClr val="dk1"/>
+          </a:effectRef>
+          <a:fontRef idx="minor">
+            <a:schemeClr val="tx1"/>
+          </a:fontRef>
+        </p:style>
+      </p:cxnSp>
+      <p:sp>
+        <p:nvSpPr>
+          <p:cNvPr id="16" name="สี่เหลี่ยมผืนผ้า 15">
+            <a:extLst>
+              <a:ext uri="{FF2B5EF4-FFF2-40B4-BE49-F238E27FC236}">
+                <a16:creationId xmlns:a16="http://schemas.microsoft.com/office/drawing/2014/main" id="{FF7B624E-1989-470D-B2EE-E996233160FE}"/>
+              </a:ext>
+            </a:extLst>
+          </p:cNvPr>
+          <p:cNvSpPr/>
+          <p:nvPr/>
+        </p:nvSpPr>
+        <p:spPr>
+          <a:xfrm>
+            <a:off x="4323121" y="3129523"/>
+            <a:ext cx="2079522" cy="940456"/>
+          </a:xfrm>
+          <a:prstGeom prst="rect">
+            <a:avLst/>
+          </a:prstGeom>
+        </p:spPr>
+        <p:style>
+          <a:lnRef idx="2">
+            <a:schemeClr val="dk1"/>
+          </a:lnRef>
+          <a:fillRef idx="1">
+            <a:schemeClr val="lt1"/>
+          </a:fillRef>
+          <a:effectRef idx="0">
+            <a:schemeClr val="dk1"/>
+          </a:effectRef>
+          <a:fontRef idx="minor">
+            <a:schemeClr val="dk1"/>
+          </a:fontRef>
+        </p:style>
+        <p:txBody>
+          <a:bodyPr rtlCol="0" anchor="ctr"/>
+          <a:lstStyle/>
+          <a:p>
+            <a:pPr algn="ctr"/>
+            <a:r>
+              <a:rPr lang="th-TH" sz="2400" dirty="0">
+                <a:latin typeface="TH Sarabun New" panose="020B0500040200020003" pitchFamily="34" charset="-34"/>
+                <a:cs typeface="TH Sarabun New" panose="020B0500040200020003" pitchFamily="34" charset="-34"/>
+              </a:rPr>
+              <a:t>เพิ่มรถจักรยานยนต์ในสิ่งที่อยากได้</a:t>
+            </a:r>
+          </a:p>
+        </p:txBody>
+      </p:sp>
+      <p:cxnSp>
+        <p:nvCxnSpPr>
+          <p:cNvPr id="18" name="ตัวเชื่อมต่อ: หักมุม 17">
+            <a:extLst>
+              <a:ext uri="{FF2B5EF4-FFF2-40B4-BE49-F238E27FC236}">
+                <a16:creationId xmlns:a16="http://schemas.microsoft.com/office/drawing/2014/main" id="{10F63B86-0D42-4605-93BC-54EF7CE1B2C8}"/>
+              </a:ext>
+            </a:extLst>
+          </p:cNvPr>
+          <p:cNvCxnSpPr>
+            <a:stCxn id="5" idx="3"/>
+            <a:endCxn id="16" idx="0"/>
+          </p:cNvCxnSpPr>
+          <p:nvPr/>
+        </p:nvCxnSpPr>
+        <p:spPr>
+          <a:xfrm>
+            <a:off x="4770181" y="1985499"/>
+            <a:ext cx="592701" cy="1144024"/>
+          </a:xfrm>
+          <a:prstGeom prst="bentConnector2">
+            <a:avLst/>
+          </a:prstGeom>
+          <a:ln>
+            <a:tailEnd type="triangle"/>
+          </a:ln>
+        </p:spPr>
+        <p:style>
+          <a:lnRef idx="1">
+            <a:schemeClr val="dk1"/>
+          </a:lnRef>
+          <a:fillRef idx="0">
+            <a:schemeClr val="dk1"/>
+          </a:fillRef>
+          <a:effectRef idx="0">
+            <a:schemeClr val="dk1"/>
+          </a:effectRef>
+          <a:fontRef idx="minor">
+            <a:schemeClr val="tx1"/>
+          </a:fontRef>
+        </p:style>
+      </p:cxnSp>
+      <p:sp>
+        <p:nvSpPr>
+          <p:cNvPr id="20" name="วงรี 19">
+            <a:extLst>
+              <a:ext uri="{FF2B5EF4-FFF2-40B4-BE49-F238E27FC236}">
+                <a16:creationId xmlns:a16="http://schemas.microsoft.com/office/drawing/2014/main" id="{EF53853A-0D27-4A0B-8220-6FDA8BA5D698}"/>
+              </a:ext>
+            </a:extLst>
+          </p:cNvPr>
+          <p:cNvSpPr/>
+          <p:nvPr/>
+        </p:nvSpPr>
+        <p:spPr>
+          <a:xfrm>
+            <a:off x="3200399" y="4608871"/>
+            <a:ext cx="457200" cy="457200"/>
+          </a:xfrm>
+          <a:prstGeom prst="ellipse">
+            <a:avLst/>
+          </a:prstGeom>
+        </p:spPr>
+        <p:style>
+          <a:lnRef idx="2">
+            <a:schemeClr val="dk1"/>
+          </a:lnRef>
+          <a:fillRef idx="1">
+            <a:schemeClr val="lt1"/>
+          </a:fillRef>
+          <a:effectRef idx="0">
+            <a:schemeClr val="dk1"/>
+          </a:effectRef>
+          <a:fontRef idx="minor">
+            <a:schemeClr val="dk1"/>
+          </a:fontRef>
+        </p:style>
+        <p:txBody>
+          <a:bodyPr rtlCol="0" anchor="ctr"/>
+          <a:lstStyle/>
+          <a:p>
+            <a:pPr algn="ctr"/>
+            <a:endParaRPr lang="th-TH"/>
+          </a:p>
+        </p:txBody>
+      </p:sp>
+      <p:cxnSp>
+        <p:nvCxnSpPr>
+          <p:cNvPr id="22" name="ตัวเชื่อมต่อ: หักมุม 21">
+            <a:extLst>
+              <a:ext uri="{FF2B5EF4-FFF2-40B4-BE49-F238E27FC236}">
+                <a16:creationId xmlns:a16="http://schemas.microsoft.com/office/drawing/2014/main" id="{5FCD045B-3050-4B78-BE4D-CAC7FB388E0E}"/>
+              </a:ext>
+            </a:extLst>
+          </p:cNvPr>
+          <p:cNvCxnSpPr>
+            <a:cxnSpLocks/>
+            <a:endCxn id="20" idx="2"/>
+          </p:cNvCxnSpPr>
+          <p:nvPr/>
+        </p:nvCxnSpPr>
+        <p:spPr>
+          <a:xfrm rot="16200000" flipH="1">
+            <a:off x="1916715" y="3553786"/>
+            <a:ext cx="841809" cy="1725560"/>
+          </a:xfrm>
+          <a:prstGeom prst="bentConnector2">
+            <a:avLst/>
+          </a:prstGeom>
+          <a:ln>
+            <a:tailEnd type="triangle"/>
+          </a:ln>
+        </p:spPr>
+        <p:style>
+          <a:lnRef idx="1">
+            <a:schemeClr val="dk1"/>
+          </a:lnRef>
+          <a:fillRef idx="0">
+            <a:schemeClr val="dk1"/>
+          </a:fillRef>
+          <a:effectRef idx="0">
+            <a:schemeClr val="dk1"/>
+          </a:effectRef>
+          <a:fontRef idx="minor">
+            <a:schemeClr val="tx1"/>
+          </a:fontRef>
+        </p:style>
+      </p:cxnSp>
+      <p:cxnSp>
+        <p:nvCxnSpPr>
+          <p:cNvPr id="24" name="ตัวเชื่อมต่อ: หักมุม 23">
+            <a:extLst>
+              <a:ext uri="{FF2B5EF4-FFF2-40B4-BE49-F238E27FC236}">
+                <a16:creationId xmlns:a16="http://schemas.microsoft.com/office/drawing/2014/main" id="{0DA6A614-A16A-4C35-B758-D7D84DD82735}"/>
+              </a:ext>
+            </a:extLst>
+          </p:cNvPr>
+          <p:cNvCxnSpPr>
+            <a:stCxn id="16" idx="2"/>
+            <a:endCxn id="20" idx="6"/>
+          </p:cNvCxnSpPr>
+          <p:nvPr/>
+        </p:nvCxnSpPr>
+        <p:spPr>
+          <a:xfrm rot="5400000">
+            <a:off x="4126495" y="3601084"/>
+            <a:ext cx="767492" cy="1705283"/>
+          </a:xfrm>
+          <a:prstGeom prst="bentConnector2">
+            <a:avLst/>
+          </a:prstGeom>
+          <a:ln>
+            <a:tailEnd type="triangle"/>
+          </a:ln>
+        </p:spPr>
+        <p:style>
+          <a:lnRef idx="1">
+            <a:schemeClr val="dk1"/>
+          </a:lnRef>
+          <a:fillRef idx="0">
+            <a:schemeClr val="dk1"/>
+          </a:fillRef>
+          <a:effectRef idx="0">
+            <a:schemeClr val="dk1"/>
+          </a:effectRef>
+          <a:fontRef idx="minor">
+            <a:schemeClr val="tx1"/>
+          </a:fontRef>
+        </p:style>
+      </p:cxnSp>
+      <p:sp>
+        <p:nvSpPr>
+          <p:cNvPr id="27" name="สี่เหลี่ยมด้านขนาน 26">
+            <a:extLst>
+              <a:ext uri="{FF2B5EF4-FFF2-40B4-BE49-F238E27FC236}">
+                <a16:creationId xmlns:a16="http://schemas.microsoft.com/office/drawing/2014/main" id="{0815FCDC-97E0-4230-929F-3B695DD0251D}"/>
+              </a:ext>
+            </a:extLst>
+          </p:cNvPr>
+          <p:cNvSpPr/>
+          <p:nvPr/>
+        </p:nvSpPr>
+        <p:spPr>
+          <a:xfrm>
+            <a:off x="1715419" y="5869076"/>
+            <a:ext cx="3351112" cy="791821"/>
+          </a:xfrm>
+          <a:prstGeom prst="parallelogram">
+            <a:avLst/>
+          </a:prstGeom>
+        </p:spPr>
+        <p:style>
+          <a:lnRef idx="2">
+            <a:schemeClr val="dk1"/>
+          </a:lnRef>
+          <a:fillRef idx="1">
+            <a:schemeClr val="lt1"/>
+          </a:fillRef>
+          <a:effectRef idx="0">
+            <a:schemeClr val="dk1"/>
+          </a:effectRef>
+          <a:fontRef idx="minor">
+            <a:schemeClr val="dk1"/>
+          </a:fontRef>
+        </p:style>
+        <p:txBody>
+          <a:bodyPr rtlCol="0" anchor="ctr"/>
+          <a:lstStyle/>
+          <a:p>
+            <a:pPr algn="ctr"/>
+            <a:r>
+              <a:rPr lang="th-TH" sz="2400" dirty="0">
+                <a:latin typeface="TH Sarabun New" panose="020B0500040200020003" pitchFamily="34" charset="-34"/>
+                <a:cs typeface="TH Sarabun New" panose="020B0500040200020003" pitchFamily="34" charset="-34"/>
+              </a:rPr>
+              <a:t>แสดงหน้าสิ่งที่อยากได้</a:t>
+            </a:r>
+          </a:p>
+        </p:txBody>
+      </p:sp>
+      <p:cxnSp>
+        <p:nvCxnSpPr>
+          <p:cNvPr id="29" name="ลูกศรเชื่อมต่อแบบตรง 28">
+            <a:extLst>
+              <a:ext uri="{FF2B5EF4-FFF2-40B4-BE49-F238E27FC236}">
+                <a16:creationId xmlns:a16="http://schemas.microsoft.com/office/drawing/2014/main" id="{17643F95-CB40-4FA7-B02F-4C9748FF8D84}"/>
+              </a:ext>
+            </a:extLst>
+          </p:cNvPr>
+          <p:cNvCxnSpPr>
+            <a:cxnSpLocks/>
+            <a:endCxn id="27" idx="0"/>
+          </p:cNvCxnSpPr>
+          <p:nvPr/>
+        </p:nvCxnSpPr>
+        <p:spPr>
+          <a:xfrm>
+            <a:off x="3390975" y="5066071"/>
+            <a:ext cx="0" cy="803005"/>
+          </a:xfrm>
+          <a:prstGeom prst="straightConnector1">
+            <a:avLst/>
+          </a:prstGeom>
+          <a:ln>
+            <a:tailEnd type="triangle"/>
+          </a:ln>
+        </p:spPr>
+        <p:style>
+          <a:lnRef idx="1">
+            <a:schemeClr val="dk1"/>
+          </a:lnRef>
+          <a:fillRef idx="0">
+            <a:schemeClr val="dk1"/>
+          </a:fillRef>
+          <a:effectRef idx="0">
+            <a:schemeClr val="dk1"/>
+          </a:effectRef>
+          <a:fontRef idx="minor">
+            <a:schemeClr val="tx1"/>
+          </a:fontRef>
+        </p:style>
+      </p:cxnSp>
+      <p:sp>
+        <p:nvSpPr>
+          <p:cNvPr id="31" name="วงรี 30">
+            <a:extLst>
+              <a:ext uri="{FF2B5EF4-FFF2-40B4-BE49-F238E27FC236}">
+                <a16:creationId xmlns:a16="http://schemas.microsoft.com/office/drawing/2014/main" id="{BAD84185-8A00-4A2B-8B8F-490B1267CACB}"/>
+              </a:ext>
+            </a:extLst>
+          </p:cNvPr>
+          <p:cNvSpPr/>
+          <p:nvPr/>
+        </p:nvSpPr>
+        <p:spPr>
+          <a:xfrm>
+            <a:off x="2496853" y="7463902"/>
+            <a:ext cx="1788243" cy="556993"/>
+          </a:xfrm>
+          <a:prstGeom prst="ellipse">
+            <a:avLst/>
+          </a:prstGeom>
+        </p:spPr>
+        <p:style>
+          <a:lnRef idx="2">
+            <a:schemeClr val="dk1"/>
+          </a:lnRef>
+          <a:fillRef idx="1">
+            <a:schemeClr val="lt1"/>
+          </a:fillRef>
+          <a:effectRef idx="0">
+            <a:schemeClr val="dk1"/>
+          </a:effectRef>
+          <a:fontRef idx="minor">
+            <a:schemeClr val="dk1"/>
+          </a:fontRef>
+        </p:style>
+        <p:txBody>
+          <a:bodyPr rtlCol="0" anchor="ctr"/>
+          <a:lstStyle/>
+          <a:p>
+            <a:pPr algn="ctr"/>
+            <a:r>
+              <a:rPr lang="th-TH" sz="2800" dirty="0">
+                <a:latin typeface="TH Sarabun New" panose="020B0500040200020003" pitchFamily="34" charset="-34"/>
+                <a:cs typeface="TH Sarabun New" panose="020B0500040200020003" pitchFamily="34" charset="-34"/>
+              </a:rPr>
+              <a:t>จบ</a:t>
+            </a:r>
+          </a:p>
+        </p:txBody>
+      </p:sp>
+      <p:cxnSp>
+        <p:nvCxnSpPr>
+          <p:cNvPr id="33" name="ลูกศรเชื่อมต่อแบบตรง 32">
+            <a:extLst>
+              <a:ext uri="{FF2B5EF4-FFF2-40B4-BE49-F238E27FC236}">
+                <a16:creationId xmlns:a16="http://schemas.microsoft.com/office/drawing/2014/main" id="{CEB3783A-0AF2-4EF5-8DFC-315DF5759102}"/>
+              </a:ext>
+            </a:extLst>
+          </p:cNvPr>
+          <p:cNvCxnSpPr>
+            <a:stCxn id="27" idx="4"/>
+            <a:endCxn id="31" idx="0"/>
+          </p:cNvCxnSpPr>
+          <p:nvPr/>
+        </p:nvCxnSpPr>
+        <p:spPr>
+          <a:xfrm>
+            <a:off x="3390975" y="6660897"/>
+            <a:ext cx="0" cy="803005"/>
+          </a:xfrm>
+          <a:prstGeom prst="straightConnector1">
+            <a:avLst/>
+          </a:prstGeom>
+          <a:ln>
+            <a:tailEnd type="triangle"/>
+          </a:ln>
+        </p:spPr>
+        <p:style>
+          <a:lnRef idx="1">
+            <a:schemeClr val="dk1"/>
+          </a:lnRef>
+          <a:fillRef idx="0">
+            <a:schemeClr val="dk1"/>
+          </a:fillRef>
+          <a:effectRef idx="0">
+            <a:schemeClr val="dk1"/>
+          </a:effectRef>
+          <a:fontRef idx="minor">
+            <a:schemeClr val="tx1"/>
+          </a:fontRef>
+        </p:style>
+      </p:cxnSp>
+      <p:sp>
+        <p:nvSpPr>
+          <p:cNvPr id="25" name="สี่เหลี่ยมผืนผ้า 15">
+            <a:extLst>
+              <a:ext uri="{FF2B5EF4-FFF2-40B4-BE49-F238E27FC236}">
+                <a16:creationId xmlns:a16="http://schemas.microsoft.com/office/drawing/2014/main" id="{CD57BDD4-E6F0-4BF6-BF3D-719AC58B74E3}"/>
+              </a:ext>
+            </a:extLst>
+          </p:cNvPr>
+          <p:cNvSpPr/>
+          <p:nvPr/>
+        </p:nvSpPr>
+        <p:spPr>
+          <a:xfrm>
+            <a:off x="538317" y="3203841"/>
+            <a:ext cx="2079522" cy="940456"/>
+          </a:xfrm>
+          <a:prstGeom prst="rect">
+            <a:avLst/>
+          </a:prstGeom>
+        </p:spPr>
+        <p:style>
+          <a:lnRef idx="2">
+            <a:schemeClr val="dk1"/>
+          </a:lnRef>
+          <a:fillRef idx="1">
+            <a:schemeClr val="lt1"/>
+          </a:fillRef>
+          <a:effectRef idx="0">
+            <a:schemeClr val="dk1"/>
+          </a:effectRef>
+          <a:fontRef idx="minor">
+            <a:schemeClr val="dk1"/>
+          </a:fontRef>
+        </p:style>
+        <p:txBody>
+          <a:bodyPr rtlCol="0" anchor="ctr"/>
+          <a:lstStyle/>
+          <a:p>
+            <a:pPr algn="ctr"/>
+            <a:r>
+              <a:rPr lang="th-TH" sz="2400" dirty="0">
+                <a:latin typeface="TH Sarabun New" panose="020B0500040200020003" pitchFamily="34" charset="-34"/>
+                <a:cs typeface="TH Sarabun New" panose="020B0500040200020003" pitchFamily="34" charset="-34"/>
+              </a:rPr>
+              <a:t>เพิ่มรถยนต์ในสิ่งที่อยากได้</a:t>
+            </a:r>
+          </a:p>
+        </p:txBody>
+      </p:sp>
+    </p:spTree>
+    <p:extLst>
+      <p:ext uri="{BB962C8B-B14F-4D97-AF65-F5344CB8AC3E}">
+        <p14:creationId xmlns:p14="http://schemas.microsoft.com/office/powerpoint/2010/main" val="1002116902"/>
+      </p:ext>
+    </p:extLst>
+  </p:cSld>
+  <p:clrMapOvr>
+    <a:masterClrMapping/>
+  </p:clrMapOvr>
+</p:sld>
+</file>
+
 <file path=ppt/theme/theme1.xml><?xml version="1.0" encoding="utf-8"?>
 <a:theme xmlns:a="http://schemas.openxmlformats.org/drawingml/2006/main" name="ธีมของ Office">
   <a:themeElements>
